--- a/2025-10-02 김벼리.pptx
+++ b/2025-10-02 김벼리.pptx
@@ -10,7 +10,8 @@
     <p:sldId id="264" r:id="rId4"/>
     <p:sldId id="263" r:id="rId5"/>
     <p:sldId id="257" r:id="rId6"/>
-    <p:sldId id="259" r:id="rId7"/>
+    <p:sldId id="266" r:id="rId7"/>
+    <p:sldId id="259" r:id="rId8"/>
   </p:sldIdLst>
   <p:sldSz cx="12192000" cy="6858000"/>
   <p:notesSz cx="6858000" cy="9144000"/>
@@ -109,6 +110,11 @@
       </a:defRPr>
     </a:lvl9pPr>
   </p:defaultTextStyle>
+  <p:extLst>
+    <p:ext uri="{EFAFB233-063F-42B5-8137-9DF3F51BA10A}">
+      <p15:sldGuideLst xmlns:p15="http://schemas.microsoft.com/office/powerpoint/2012/main"/>
+    </p:ext>
+  </p:extLst>
 </p:presentation>
 </file>
 
@@ -614,6 +620,3031 @@
           <c:order val="0"/>
           <c:tx>
             <c:strRef>
+              <c:f>'deg 10'!$B$1</c:f>
+              <c:strCache>
+                <c:ptCount val="1"/>
+                <c:pt idx="0">
+                  <c:v>Pressure_Coefficient</c:v>
+                </c:pt>
+              </c:strCache>
+            </c:strRef>
+          </c:tx>
+          <c:spPr>
+            <a:ln w="19050" cap="rnd">
+              <a:solidFill>
+                <a:schemeClr val="accent1"/>
+              </a:solidFill>
+              <a:round/>
+            </a:ln>
+            <a:effectLst/>
+          </c:spPr>
+          <c:marker>
+            <c:symbol val="none"/>
+          </c:marker>
+          <c:xVal>
+            <c:numRef>
+              <c:f>'deg 10'!$A$2:$A$129</c:f>
+              <c:numCache>
+                <c:formatCode>General</c:formatCode>
+                <c:ptCount val="128"/>
+                <c:pt idx="0">
+                  <c:v>1</c:v>
+                </c:pt>
+                <c:pt idx="1">
+                  <c:v>0.99578199999999994</c:v>
+                </c:pt>
+                <c:pt idx="2">
+                  <c:v>0.99092400000000003</c:v>
+                </c:pt>
+                <c:pt idx="3">
+                  <c:v>0.98533700000000002</c:v>
+                </c:pt>
+                <c:pt idx="4">
+                  <c:v>0.97892100000000004</c:v>
+                </c:pt>
+                <c:pt idx="5">
+                  <c:v>0.97156799999999999</c:v>
+                </c:pt>
+                <c:pt idx="6">
+                  <c:v>0.96315700000000004</c:v>
+                </c:pt>
+                <c:pt idx="7">
+                  <c:v>0.95355999999999996</c:v>
+                </c:pt>
+                <c:pt idx="8">
+                  <c:v>0.94264099999999995</c:v>
+                </c:pt>
+                <c:pt idx="9">
+                  <c:v>0.93025500000000005</c:v>
+                </c:pt>
+                <c:pt idx="10">
+                  <c:v>0.91625599999999996</c:v>
+                </c:pt>
+                <c:pt idx="11">
+                  <c:v>0.90049599999999996</c:v>
+                </c:pt>
+                <c:pt idx="12">
+                  <c:v>0.88283599999999995</c:v>
+                </c:pt>
+                <c:pt idx="13">
+                  <c:v>0.86314599999999997</c:v>
+                </c:pt>
+                <c:pt idx="14">
+                  <c:v>0.84131599999999995</c:v>
+                </c:pt>
+                <c:pt idx="15">
+                  <c:v>0.81726600000000005</c:v>
+                </c:pt>
+                <c:pt idx="16">
+                  <c:v>0.79095199999999999</c:v>
+                </c:pt>
+                <c:pt idx="17">
+                  <c:v>0.762378</c:v>
+                </c:pt>
+                <c:pt idx="18">
+                  <c:v>0.731603</c:v>
+                </c:pt>
+                <c:pt idx="19">
+                  <c:v>0.69874999999999998</c:v>
+                </c:pt>
+                <c:pt idx="20">
+                  <c:v>0.66400700000000001</c:v>
+                </c:pt>
+                <c:pt idx="21">
+                  <c:v>0.62762799999999996</c:v>
+                </c:pt>
+                <c:pt idx="22">
+                  <c:v>0.58993300000000004</c:v>
+                </c:pt>
+                <c:pt idx="23">
+                  <c:v>0.551292</c:v>
+                </c:pt>
+                <c:pt idx="24">
+                  <c:v>0.51211700000000004</c:v>
+                </c:pt>
+                <c:pt idx="25">
+                  <c:v>0.47284300000000001</c:v>
+                </c:pt>
+                <c:pt idx="26">
+                  <c:v>0.43391200000000002</c:v>
+                </c:pt>
+                <c:pt idx="27">
+                  <c:v>0.39574900000000002</c:v>
+                </c:pt>
+                <c:pt idx="28">
+                  <c:v>0.35874699999999998</c:v>
+                </c:pt>
+                <c:pt idx="29">
+                  <c:v>0.32325300000000001</c:v>
+                </c:pt>
+                <c:pt idx="30">
+                  <c:v>0.28955399999999998</c:v>
+                </c:pt>
+                <c:pt idx="31">
+                  <c:v>0.25787300000000002</c:v>
+                </c:pt>
+                <c:pt idx="32">
+                  <c:v>0.22836699999999999</c:v>
+                </c:pt>
+                <c:pt idx="33">
+                  <c:v>0.201125</c:v>
+                </c:pt>
+                <c:pt idx="34">
+                  <c:v>0.17618</c:v>
+                </c:pt>
+                <c:pt idx="35">
+                  <c:v>0.15351100000000001</c:v>
+                </c:pt>
+                <c:pt idx="36">
+                  <c:v>0.13305700000000001</c:v>
+                </c:pt>
+                <c:pt idx="37">
+                  <c:v>0.114722</c:v>
+                </c:pt>
+                <c:pt idx="38">
+                  <c:v>9.8385500000000001E-2</c:v>
+                </c:pt>
+                <c:pt idx="39">
+                  <c:v>8.3912299999999995E-2</c:v>
+                </c:pt>
+                <c:pt idx="40">
+                  <c:v>7.1158299999999994E-2</c:v>
+                </c:pt>
+                <c:pt idx="41">
+                  <c:v>5.9976700000000001E-2</c:v>
+                </c:pt>
+                <c:pt idx="42">
+                  <c:v>5.02224E-2</c:v>
+                </c:pt>
+                <c:pt idx="43">
+                  <c:v>4.1755899999999999E-2</c:v>
+                </c:pt>
+                <c:pt idx="44">
+                  <c:v>3.4445099999999999E-2</c:v>
+                </c:pt>
+                <c:pt idx="45">
+                  <c:v>2.81672E-2</c:v>
+                </c:pt>
+                <c:pt idx="46">
+                  <c:v>2.2809400000000001E-2</c:v>
+                </c:pt>
+                <c:pt idx="47">
+                  <c:v>1.8268900000000001E-2</c:v>
+                </c:pt>
+                <c:pt idx="48">
+                  <c:v>1.44522E-2</c:v>
+                </c:pt>
+                <c:pt idx="49">
+                  <c:v>1.1275200000000001E-2</c:v>
+                </c:pt>
+                <c:pt idx="50">
+                  <c:v>8.6609800000000004E-3</c:v>
+                </c:pt>
+                <c:pt idx="51">
+                  <c:v>6.5392599999999999E-3</c:v>
+                </c:pt>
+                <c:pt idx="52">
+                  <c:v>4.8445500000000004E-3</c:v>
+                </c:pt>
+                <c:pt idx="53">
+                  <c:v>3.5153200000000002E-3</c:v>
+                </c:pt>
+                <c:pt idx="54">
+                  <c:v>2.49343E-3</c:v>
+                </c:pt>
+                <c:pt idx="55">
+                  <c:v>1.7246200000000001E-3</c:v>
+                </c:pt>
+                <c:pt idx="56">
+                  <c:v>1.15919E-3</c:v>
+                </c:pt>
+                <c:pt idx="57">
+                  <c:v>7.5318900000000003E-4</c:v>
+                </c:pt>
+                <c:pt idx="58">
+                  <c:v>4.6912800000000003E-4</c:v>
+                </c:pt>
+                <c:pt idx="59">
+                  <c:v>2.7623600000000002E-4</c:v>
+                </c:pt>
+                <c:pt idx="60">
+                  <c:v>1.5007900000000001E-4</c:v>
+                </c:pt>
+                <c:pt idx="61" formatCode="0.00E+00">
+                  <c:v>7.1803299999999997E-5</c:v>
+                </c:pt>
+                <c:pt idx="62" formatCode="0.00E+00">
+                  <c:v>2.7212800000000001E-5</c:v>
+                </c:pt>
+                <c:pt idx="63" formatCode="0.00E+00">
+                  <c:v>5.8186100000000004E-6</c:v>
+                </c:pt>
+                <c:pt idx="64">
+                  <c:v>0</c:v>
+                </c:pt>
+                <c:pt idx="65" formatCode="0.00E+00">
+                  <c:v>5.8186100000000004E-6</c:v>
+                </c:pt>
+                <c:pt idx="66" formatCode="0.00E+00">
+                  <c:v>2.7212800000000001E-5</c:v>
+                </c:pt>
+                <c:pt idx="67" formatCode="0.00E+00">
+                  <c:v>7.1803299999999997E-5</c:v>
+                </c:pt>
+                <c:pt idx="68">
+                  <c:v>1.5007900000000001E-4</c:v>
+                </c:pt>
+                <c:pt idx="69">
+                  <c:v>2.7623600000000002E-4</c:v>
+                </c:pt>
+                <c:pt idx="70">
+                  <c:v>4.6912800000000003E-4</c:v>
+                </c:pt>
+                <c:pt idx="71">
+                  <c:v>7.5318900000000003E-4</c:v>
+                </c:pt>
+                <c:pt idx="72">
+                  <c:v>1.15919E-3</c:v>
+                </c:pt>
+                <c:pt idx="73">
+                  <c:v>1.7246200000000001E-3</c:v>
+                </c:pt>
+                <c:pt idx="74">
+                  <c:v>2.49343E-3</c:v>
+                </c:pt>
+                <c:pt idx="75">
+                  <c:v>3.5153200000000002E-3</c:v>
+                </c:pt>
+                <c:pt idx="76">
+                  <c:v>4.8445500000000004E-3</c:v>
+                </c:pt>
+                <c:pt idx="77">
+                  <c:v>6.5392599999999999E-3</c:v>
+                </c:pt>
+                <c:pt idx="78">
+                  <c:v>8.6609800000000004E-3</c:v>
+                </c:pt>
+                <c:pt idx="79">
+                  <c:v>1.1275200000000001E-2</c:v>
+                </c:pt>
+                <c:pt idx="80">
+                  <c:v>1.44522E-2</c:v>
+                </c:pt>
+                <c:pt idx="81">
+                  <c:v>1.8268900000000001E-2</c:v>
+                </c:pt>
+                <c:pt idx="82">
+                  <c:v>2.2809400000000001E-2</c:v>
+                </c:pt>
+                <c:pt idx="83">
+                  <c:v>2.81672E-2</c:v>
+                </c:pt>
+                <c:pt idx="84">
+                  <c:v>3.4445099999999999E-2</c:v>
+                </c:pt>
+                <c:pt idx="85">
+                  <c:v>4.1755899999999999E-2</c:v>
+                </c:pt>
+                <c:pt idx="86">
+                  <c:v>5.02224E-2</c:v>
+                </c:pt>
+                <c:pt idx="87">
+                  <c:v>5.9976700000000001E-2</c:v>
+                </c:pt>
+                <c:pt idx="88">
+                  <c:v>7.1158299999999994E-2</c:v>
+                </c:pt>
+                <c:pt idx="89">
+                  <c:v>8.3912299999999995E-2</c:v>
+                </c:pt>
+                <c:pt idx="90">
+                  <c:v>9.8385500000000001E-2</c:v>
+                </c:pt>
+                <c:pt idx="91">
+                  <c:v>0.114722</c:v>
+                </c:pt>
+                <c:pt idx="92">
+                  <c:v>0.13305700000000001</c:v>
+                </c:pt>
+                <c:pt idx="93">
+                  <c:v>0.15351100000000001</c:v>
+                </c:pt>
+                <c:pt idx="94">
+                  <c:v>0.17618</c:v>
+                </c:pt>
+                <c:pt idx="95">
+                  <c:v>0.201125</c:v>
+                </c:pt>
+                <c:pt idx="96">
+                  <c:v>0.22836699999999999</c:v>
+                </c:pt>
+                <c:pt idx="97">
+                  <c:v>0.25787300000000002</c:v>
+                </c:pt>
+                <c:pt idx="98">
+                  <c:v>0.28955399999999998</c:v>
+                </c:pt>
+                <c:pt idx="99">
+                  <c:v>0.32325300000000001</c:v>
+                </c:pt>
+                <c:pt idx="100">
+                  <c:v>0.35874699999999998</c:v>
+                </c:pt>
+                <c:pt idx="101">
+                  <c:v>0.39574900000000002</c:v>
+                </c:pt>
+                <c:pt idx="102">
+                  <c:v>0.43391200000000002</c:v>
+                </c:pt>
+                <c:pt idx="103">
+                  <c:v>0.47284300000000001</c:v>
+                </c:pt>
+                <c:pt idx="104">
+                  <c:v>0.51211700000000004</c:v>
+                </c:pt>
+                <c:pt idx="105">
+                  <c:v>0.551292</c:v>
+                </c:pt>
+                <c:pt idx="106">
+                  <c:v>0.58993300000000004</c:v>
+                </c:pt>
+                <c:pt idx="107">
+                  <c:v>0.62762799999999996</c:v>
+                </c:pt>
+                <c:pt idx="108">
+                  <c:v>0.66400700000000001</c:v>
+                </c:pt>
+                <c:pt idx="109">
+                  <c:v>0.69874999999999998</c:v>
+                </c:pt>
+                <c:pt idx="110">
+                  <c:v>0.731603</c:v>
+                </c:pt>
+                <c:pt idx="111">
+                  <c:v>0.762378</c:v>
+                </c:pt>
+                <c:pt idx="112">
+                  <c:v>0.79095199999999999</c:v>
+                </c:pt>
+                <c:pt idx="113">
+                  <c:v>0.81726600000000005</c:v>
+                </c:pt>
+                <c:pt idx="114">
+                  <c:v>0.84131599999999995</c:v>
+                </c:pt>
+                <c:pt idx="115">
+                  <c:v>0.86314599999999997</c:v>
+                </c:pt>
+                <c:pt idx="116">
+                  <c:v>0.88283599999999995</c:v>
+                </c:pt>
+                <c:pt idx="117">
+                  <c:v>0.90049599999999996</c:v>
+                </c:pt>
+                <c:pt idx="118">
+                  <c:v>0.91625599999999996</c:v>
+                </c:pt>
+                <c:pt idx="119">
+                  <c:v>0.93025500000000005</c:v>
+                </c:pt>
+                <c:pt idx="120">
+                  <c:v>0.94264099999999995</c:v>
+                </c:pt>
+                <c:pt idx="121">
+                  <c:v>0.95355999999999996</c:v>
+                </c:pt>
+                <c:pt idx="122">
+                  <c:v>0.96315700000000004</c:v>
+                </c:pt>
+                <c:pt idx="123">
+                  <c:v>0.97156799999999999</c:v>
+                </c:pt>
+                <c:pt idx="124">
+                  <c:v>0.97892100000000004</c:v>
+                </c:pt>
+                <c:pt idx="125">
+                  <c:v>0.98533700000000002</c:v>
+                </c:pt>
+                <c:pt idx="126">
+                  <c:v>0.99092400000000003</c:v>
+                </c:pt>
+                <c:pt idx="127">
+                  <c:v>0.99578199999999994</c:v>
+                </c:pt>
+              </c:numCache>
+            </c:numRef>
+          </c:xVal>
+          <c:yVal>
+            <c:numRef>
+              <c:f>'deg 10'!$B$2:$B$129</c:f>
+              <c:numCache>
+                <c:formatCode>General</c:formatCode>
+                <c:ptCount val="128"/>
+                <c:pt idx="0">
+                  <c:v>0.166492</c:v>
+                </c:pt>
+                <c:pt idx="1">
+                  <c:v>0.164101</c:v>
+                </c:pt>
+                <c:pt idx="2">
+                  <c:v>0.195773</c:v>
+                </c:pt>
+                <c:pt idx="3">
+                  <c:v>0.17057600000000001</c:v>
+                </c:pt>
+                <c:pt idx="4">
+                  <c:v>0.16361300000000001</c:v>
+                </c:pt>
+                <c:pt idx="5">
+                  <c:v>0.153917</c:v>
+                </c:pt>
+                <c:pt idx="6">
+                  <c:v>0.146458</c:v>
+                </c:pt>
+                <c:pt idx="7">
+                  <c:v>0.139048</c:v>
+                </c:pt>
+                <c:pt idx="8">
+                  <c:v>0.13258500000000001</c:v>
+                </c:pt>
+                <c:pt idx="9">
+                  <c:v>0.12663099999999999</c:v>
+                </c:pt>
+                <c:pt idx="10">
+                  <c:v>0.121396</c:v>
+                </c:pt>
+                <c:pt idx="11">
+                  <c:v>0.116809</c:v>
+                </c:pt>
+                <c:pt idx="12">
+                  <c:v>0.112955</c:v>
+                </c:pt>
+                <c:pt idx="13">
+                  <c:v>0.10985499999999999</c:v>
+                </c:pt>
+                <c:pt idx="14">
+                  <c:v>0.107568</c:v>
+                </c:pt>
+                <c:pt idx="15">
+                  <c:v>0.10613400000000001</c:v>
+                </c:pt>
+                <c:pt idx="16">
+                  <c:v>0.105591</c:v>
+                </c:pt>
+                <c:pt idx="17">
+                  <c:v>0.10598</c:v>
+                </c:pt>
+                <c:pt idx="18">
+                  <c:v>0.10734100000000001</c:v>
+                </c:pt>
+                <c:pt idx="19">
+                  <c:v>0.109725</c:v>
+                </c:pt>
+                <c:pt idx="20">
+                  <c:v>0.113202</c:v>
+                </c:pt>
+                <c:pt idx="21">
+                  <c:v>0.11787499999999999</c:v>
+                </c:pt>
+                <c:pt idx="22">
+                  <c:v>0.123894</c:v>
+                </c:pt>
+                <c:pt idx="23">
+                  <c:v>0.13144</c:v>
+                </c:pt>
+                <c:pt idx="24">
+                  <c:v>0.14077700000000001</c:v>
+                </c:pt>
+                <c:pt idx="25">
+                  <c:v>0.152195</c:v>
+                </c:pt>
+                <c:pt idx="26">
+                  <c:v>0.16608000000000001</c:v>
+                </c:pt>
+                <c:pt idx="27">
+                  <c:v>0.182813</c:v>
+                </c:pt>
+                <c:pt idx="28">
+                  <c:v>0.20283999999999999</c:v>
+                </c:pt>
+                <c:pt idx="29">
+                  <c:v>0.22650700000000001</c:v>
+                </c:pt>
+                <c:pt idx="30">
+                  <c:v>0.25416800000000001</c:v>
+                </c:pt>
+                <c:pt idx="31">
+                  <c:v>0.28604000000000002</c:v>
+                </c:pt>
+                <c:pt idx="32">
+                  <c:v>0.32228899999999999</c:v>
+                </c:pt>
+                <c:pt idx="33">
+                  <c:v>0.36293799999999998</c:v>
+                </c:pt>
+                <c:pt idx="34">
+                  <c:v>0.40797600000000001</c:v>
+                </c:pt>
+                <c:pt idx="35">
+                  <c:v>0.45714100000000002</c:v>
+                </c:pt>
+                <c:pt idx="36">
+                  <c:v>0.51021300000000003</c:v>
+                </c:pt>
+                <c:pt idx="37">
+                  <c:v>0.56670799999999999</c:v>
+                </c:pt>
+                <c:pt idx="38">
+                  <c:v>0.62598600000000004</c:v>
+                </c:pt>
+                <c:pt idx="39">
+                  <c:v>0.68724600000000002</c:v>
+                </c:pt>
+                <c:pt idx="40">
+                  <c:v>0.74935600000000002</c:v>
+                </c:pt>
+                <c:pt idx="41">
+                  <c:v>0.810778</c:v>
+                </c:pt>
+                <c:pt idx="42">
+                  <c:v>0.86948400000000003</c:v>
+                </c:pt>
+                <c:pt idx="43">
+                  <c:v>0.92271700000000001</c:v>
+                </c:pt>
+                <c:pt idx="44">
+                  <c:v>0.96670599999999995</c:v>
+                </c:pt>
+                <c:pt idx="45">
+                  <c:v>0.99642500000000001</c:v>
+                </c:pt>
+                <c:pt idx="46">
+                  <c:v>1.00535</c:v>
+                </c:pt>
+                <c:pt idx="47">
+                  <c:v>0.98541599999999996</c:v>
+                </c:pt>
+                <c:pt idx="48">
+                  <c:v>0.92690399999999995</c:v>
+                </c:pt>
+                <c:pt idx="49">
+                  <c:v>0.818998</c:v>
+                </c:pt>
+                <c:pt idx="50">
+                  <c:v>0.65137</c:v>
+                </c:pt>
+                <c:pt idx="51">
+                  <c:v>0.416327</c:v>
+                </c:pt>
+                <c:pt idx="52">
+                  <c:v>0.111773</c:v>
+                </c:pt>
+                <c:pt idx="53">
+                  <c:v>-0.25603799999999999</c:v>
+                </c:pt>
+                <c:pt idx="54">
+                  <c:v>-0.67182900000000001</c:v>
+                </c:pt>
+                <c:pt idx="55">
+                  <c:v>-1.1135299999999999</c:v>
+                </c:pt>
+                <c:pt idx="56">
+                  <c:v>-1.5570200000000001</c:v>
+                </c:pt>
+                <c:pt idx="57">
+                  <c:v>-1.98082</c:v>
+                </c:pt>
+                <c:pt idx="58">
+                  <c:v>-2.3697499999999998</c:v>
+                </c:pt>
+                <c:pt idx="59">
+                  <c:v>-2.7153700000000001</c:v>
+                </c:pt>
+                <c:pt idx="60">
+                  <c:v>-3.0175999999999998</c:v>
+                </c:pt>
+                <c:pt idx="61">
+                  <c:v>-3.2756699999999999</c:v>
+                </c:pt>
+                <c:pt idx="62">
+                  <c:v>-3.5032100000000002</c:v>
+                </c:pt>
+                <c:pt idx="63">
+                  <c:v>-3.6804100000000002</c:v>
+                </c:pt>
+                <c:pt idx="64">
+                  <c:v>-3.8861300000000001</c:v>
+                </c:pt>
+                <c:pt idx="65">
+                  <c:v>-4.0770499999999998</c:v>
+                </c:pt>
+                <c:pt idx="66">
+                  <c:v>-4.2084999999999999</c:v>
+                </c:pt>
+                <c:pt idx="67">
+                  <c:v>-4.4071600000000002</c:v>
+                </c:pt>
+                <c:pt idx="68">
+                  <c:v>-4.61911</c:v>
+                </c:pt>
+                <c:pt idx="69">
+                  <c:v>-4.8425799999999999</c:v>
+                </c:pt>
+                <c:pt idx="70">
+                  <c:v>-5.0683800000000003</c:v>
+                </c:pt>
+                <c:pt idx="71">
+                  <c:v>-5.2810600000000001</c:v>
+                </c:pt>
+                <c:pt idx="72">
+                  <c:v>-5.4614399999999996</c:v>
+                </c:pt>
+                <c:pt idx="73">
+                  <c:v>-5.5881299999999996</c:v>
+                </c:pt>
+                <c:pt idx="74">
+                  <c:v>-5.6430499999999997</c:v>
+                </c:pt>
+                <c:pt idx="75">
+                  <c:v>-5.6143700000000001</c:v>
+                </c:pt>
+                <c:pt idx="76">
+                  <c:v>-5.4991000000000003</c:v>
+                </c:pt>
+                <c:pt idx="77">
+                  <c:v>-5.3053999999999997</c:v>
+                </c:pt>
+                <c:pt idx="78">
+                  <c:v>-5.0503200000000001</c:v>
+                </c:pt>
+                <c:pt idx="79">
+                  <c:v>-4.7547199999999998</c:v>
+                </c:pt>
+                <c:pt idx="80">
+                  <c:v>-4.4384800000000002</c:v>
+                </c:pt>
+                <c:pt idx="81">
+                  <c:v>-4.1179100000000002</c:v>
+                </c:pt>
+                <c:pt idx="82">
+                  <c:v>-3.8056899999999998</c:v>
+                </c:pt>
+                <c:pt idx="83">
+                  <c:v>-3.50936</c:v>
+                </c:pt>
+                <c:pt idx="84">
+                  <c:v>-3.2323</c:v>
+                </c:pt>
+                <c:pt idx="85">
+                  <c:v>-2.9759199999999999</c:v>
+                </c:pt>
+                <c:pt idx="86">
+                  <c:v>-2.7401200000000001</c:v>
+                </c:pt>
+                <c:pt idx="87">
+                  <c:v>-2.5238900000000002</c:v>
+                </c:pt>
+                <c:pt idx="88">
+                  <c:v>-2.3258299999999998</c:v>
+                </c:pt>
+                <c:pt idx="89">
+                  <c:v>-2.1443599999999998</c:v>
+                </c:pt>
+                <c:pt idx="90">
+                  <c:v>-1.97776</c:v>
+                </c:pt>
+                <c:pt idx="91">
+                  <c:v>-1.82426</c:v>
+                </c:pt>
+                <c:pt idx="92">
+                  <c:v>-1.6822600000000001</c:v>
+                </c:pt>
+                <c:pt idx="93">
+                  <c:v>-1.5503800000000001</c:v>
+                </c:pt>
+                <c:pt idx="94">
+                  <c:v>-1.42737</c:v>
+                </c:pt>
+                <c:pt idx="95">
+                  <c:v>-1.3121700000000001</c:v>
+                </c:pt>
+                <c:pt idx="96">
+                  <c:v>-1.2039800000000001</c:v>
+                </c:pt>
+                <c:pt idx="97">
+                  <c:v>-1.10215</c:v>
+                </c:pt>
+                <c:pt idx="98">
+                  <c:v>-1.0061800000000001</c:v>
+                </c:pt>
+                <c:pt idx="99">
+                  <c:v>-0.91579299999999997</c:v>
+                </c:pt>
+                <c:pt idx="100">
+                  <c:v>-0.83067000000000002</c:v>
+                </c:pt>
+                <c:pt idx="101">
+                  <c:v>-0.75073500000000004</c:v>
+                </c:pt>
+                <c:pt idx="102">
+                  <c:v>-0.67573000000000005</c:v>
+                </c:pt>
+                <c:pt idx="103">
+                  <c:v>-0.60556600000000005</c:v>
+                </c:pt>
+                <c:pt idx="104">
+                  <c:v>-0.53995899999999997</c:v>
+                </c:pt>
+                <c:pt idx="105">
+                  <c:v>-0.47877999999999998</c:v>
+                </c:pt>
+                <c:pt idx="106">
+                  <c:v>-0.421682</c:v>
+                </c:pt>
+                <c:pt idx="107">
+                  <c:v>-0.36850100000000002</c:v>
+                </c:pt>
+                <c:pt idx="108">
+                  <c:v>-0.31883600000000001</c:v>
+                </c:pt>
+                <c:pt idx="109">
+                  <c:v>-0.27247500000000002</c:v>
+                </c:pt>
+                <c:pt idx="110">
+                  <c:v>-0.22903899999999999</c:v>
+                </c:pt>
+                <c:pt idx="111">
+                  <c:v>-0.188359</c:v>
+                </c:pt>
+                <c:pt idx="112">
+                  <c:v>-0.15022099999999999</c:v>
+                </c:pt>
+                <c:pt idx="113">
+                  <c:v>-0.114569</c:v>
+                </c:pt>
+                <c:pt idx="114">
+                  <c:v>-8.1345600000000004E-2</c:v>
+                </c:pt>
+                <c:pt idx="115">
+                  <c:v>-5.0596700000000001E-2</c:v>
+                </c:pt>
+                <c:pt idx="116">
+                  <c:v>-2.23638E-2</c:v>
+                </c:pt>
+                <c:pt idx="117">
+                  <c:v>3.3207900000000001E-3</c:v>
+                </c:pt>
+                <c:pt idx="118">
+                  <c:v>2.6442500000000001E-2</c:v>
+                </c:pt>
+                <c:pt idx="119">
+                  <c:v>4.7059499999999997E-2</c:v>
+                </c:pt>
+                <c:pt idx="120">
+                  <c:v>6.5209699999999995E-2</c:v>
+                </c:pt>
+                <c:pt idx="121">
+                  <c:v>8.1148100000000001E-2</c:v>
+                </c:pt>
+                <c:pt idx="122">
+                  <c:v>9.4851599999999994E-2</c:v>
+                </c:pt>
+                <c:pt idx="123">
+                  <c:v>0.107015</c:v>
+                </c:pt>
+                <c:pt idx="124">
+                  <c:v>0.117087</c:v>
+                </c:pt>
+                <c:pt idx="125">
+                  <c:v>0.12692500000000001</c:v>
+                </c:pt>
+                <c:pt idx="126">
+                  <c:v>0.13999200000000001</c:v>
+                </c:pt>
+                <c:pt idx="127">
+                  <c:v>0.147151</c:v>
+                </c:pt>
+              </c:numCache>
+            </c:numRef>
+          </c:yVal>
+          <c:smooth val="1"/>
+          <c:extLst>
+            <c:ext xmlns:c16="http://schemas.microsoft.com/office/drawing/2014/chart" uri="{C3380CC4-5D6E-409C-BE32-E72D297353CC}">
+              <c16:uniqueId val="{00000000-F562-4DAF-ADFF-4BA209CE2966}"/>
+            </c:ext>
+          </c:extLst>
+        </c:ser>
+        <c:dLbls>
+          <c:showLegendKey val="0"/>
+          <c:showVal val="0"/>
+          <c:showCatName val="0"/>
+          <c:showSerName val="0"/>
+          <c:showPercent val="0"/>
+          <c:showBubbleSize val="0"/>
+        </c:dLbls>
+        <c:axId val="524741104"/>
+        <c:axId val="524742064"/>
+      </c:scatterChart>
+      <c:valAx>
+        <c:axId val="524741104"/>
+        <c:scaling>
+          <c:orientation val="minMax"/>
+        </c:scaling>
+        <c:delete val="0"/>
+        <c:axPos val="t"/>
+        <c:majorGridlines>
+          <c:spPr>
+            <a:ln w="9525" cap="flat" cmpd="sng" algn="ctr">
+              <a:solidFill>
+                <a:schemeClr val="tx1">
+                  <a:lumMod val="15000"/>
+                  <a:lumOff val="85000"/>
+                </a:schemeClr>
+              </a:solidFill>
+              <a:round/>
+            </a:ln>
+            <a:effectLst/>
+          </c:spPr>
+        </c:majorGridlines>
+        <c:numFmt formatCode="General" sourceLinked="1"/>
+        <c:majorTickMark val="none"/>
+        <c:minorTickMark val="none"/>
+        <c:tickLblPos val="high"/>
+        <c:spPr>
+          <a:noFill/>
+          <a:ln w="9525" cap="flat" cmpd="sng" algn="ctr">
+            <a:solidFill>
+              <a:schemeClr val="tx1">
+                <a:lumMod val="25000"/>
+                <a:lumOff val="75000"/>
+              </a:schemeClr>
+            </a:solidFill>
+            <a:round/>
+          </a:ln>
+          <a:effectLst/>
+        </c:spPr>
+        <c:txPr>
+          <a:bodyPr rot="-60000000" spcFirstLastPara="1" vertOverflow="ellipsis" vert="horz" wrap="square" anchor="ctr" anchorCtr="1"/>
+          <a:lstStyle/>
+          <a:p>
+            <a:pPr>
+              <a:defRPr sz="900" b="0" i="0" u="none" strike="noStrike" kern="1200" baseline="0">
+                <a:solidFill>
+                  <a:schemeClr val="tx1">
+                    <a:lumMod val="65000"/>
+                    <a:lumOff val="35000"/>
+                  </a:schemeClr>
+                </a:solidFill>
+                <a:latin typeface="+mn-lt"/>
+                <a:ea typeface="+mn-ea"/>
+                <a:cs typeface="+mn-cs"/>
+              </a:defRPr>
+            </a:pPr>
+            <a:endParaRPr lang="ko-KR"/>
+          </a:p>
+        </c:txPr>
+        <c:crossAx val="524742064"/>
+        <c:crosses val="autoZero"/>
+        <c:crossBetween val="midCat"/>
+      </c:valAx>
+      <c:valAx>
+        <c:axId val="524742064"/>
+        <c:scaling>
+          <c:orientation val="maxMin"/>
+        </c:scaling>
+        <c:delete val="0"/>
+        <c:axPos val="l"/>
+        <c:majorGridlines>
+          <c:spPr>
+            <a:ln w="9525" cap="flat" cmpd="sng" algn="ctr">
+              <a:solidFill>
+                <a:schemeClr val="tx1">
+                  <a:lumMod val="15000"/>
+                  <a:lumOff val="85000"/>
+                </a:schemeClr>
+              </a:solidFill>
+              <a:round/>
+            </a:ln>
+            <a:effectLst/>
+          </c:spPr>
+        </c:majorGridlines>
+        <c:numFmt formatCode="General" sourceLinked="1"/>
+        <c:majorTickMark val="none"/>
+        <c:minorTickMark val="none"/>
+        <c:tickLblPos val="nextTo"/>
+        <c:spPr>
+          <a:noFill/>
+          <a:ln w="9525" cap="flat" cmpd="sng" algn="ctr">
+            <a:solidFill>
+              <a:schemeClr val="tx1">
+                <a:lumMod val="25000"/>
+                <a:lumOff val="75000"/>
+              </a:schemeClr>
+            </a:solidFill>
+            <a:round/>
+          </a:ln>
+          <a:effectLst/>
+        </c:spPr>
+        <c:txPr>
+          <a:bodyPr rot="-60000000" spcFirstLastPara="1" vertOverflow="ellipsis" vert="horz" wrap="square" anchor="ctr" anchorCtr="1"/>
+          <a:lstStyle/>
+          <a:p>
+            <a:pPr>
+              <a:defRPr sz="900" b="0" i="0" u="none" strike="noStrike" kern="1200" baseline="0">
+                <a:solidFill>
+                  <a:schemeClr val="tx1">
+                    <a:lumMod val="65000"/>
+                    <a:lumOff val="35000"/>
+                  </a:schemeClr>
+                </a:solidFill>
+                <a:latin typeface="+mn-lt"/>
+                <a:ea typeface="+mn-ea"/>
+                <a:cs typeface="+mn-cs"/>
+              </a:defRPr>
+            </a:pPr>
+            <a:endParaRPr lang="ko-KR"/>
+          </a:p>
+        </c:txPr>
+        <c:crossAx val="524741104"/>
+        <c:crosses val="autoZero"/>
+        <c:crossBetween val="midCat"/>
+      </c:valAx>
+      <c:spPr>
+        <a:noFill/>
+        <a:ln>
+          <a:noFill/>
+        </a:ln>
+        <a:effectLst/>
+      </c:spPr>
+    </c:plotArea>
+    <c:plotVisOnly val="1"/>
+    <c:dispBlanksAs val="gap"/>
+    <c:showDLblsOverMax val="0"/>
+    <c:extLst>
+      <c:ext xmlns:c16r3="http://schemas.microsoft.com/office/drawing/2017/03/chart" uri="{56B9EC1D-385E-4148-901F-78D8002777C0}">
+        <c16r3:dataDisplayOptions16>
+          <c16r3:dispNaAsBlank val="1"/>
+        </c16r3:dataDisplayOptions16>
+      </c:ext>
+    </c:extLst>
+  </c:chart>
+  <c:spPr>
+    <a:noFill/>
+    <a:ln>
+      <a:noFill/>
+    </a:ln>
+    <a:effectLst/>
+  </c:spPr>
+  <c:txPr>
+    <a:bodyPr/>
+    <a:lstStyle/>
+    <a:p>
+      <a:pPr>
+        <a:defRPr/>
+      </a:pPr>
+      <a:endParaRPr lang="ko-KR"/>
+    </a:p>
+  </c:txPr>
+  <c:externalData r:id="rId3">
+    <c:autoUpdate val="0"/>
+  </c:externalData>
+</c:chartSpace>
+</file>
+
+<file path=ppt/charts/chart11.xml><?xml version="1.0" encoding="utf-8"?>
+<c:chartSpace xmlns:c="http://schemas.openxmlformats.org/drawingml/2006/chart" xmlns:a="http://schemas.openxmlformats.org/drawingml/2006/main" xmlns:r="http://schemas.openxmlformats.org/officeDocument/2006/relationships" xmlns:c16r2="http://schemas.microsoft.com/office/drawing/2015/06/chart">
+  <c:date1904 val="0"/>
+  <c:lang val="ko-KR"/>
+  <c:roundedCorners val="0"/>
+  <mc:AlternateContent xmlns:mc="http://schemas.openxmlformats.org/markup-compatibility/2006">
+    <mc:Choice xmlns:c14="http://schemas.microsoft.com/office/drawing/2007/8/2/chart" Requires="c14">
+      <c14:style val="102"/>
+    </mc:Choice>
+    <mc:Fallback>
+      <c:style val="2"/>
+    </mc:Fallback>
+  </mc:AlternateContent>
+  <c:chart>
+    <c:title>
+      <c:tx>
+        <c:rich>
+          <a:bodyPr rot="0" spcFirstLastPara="1" vertOverflow="ellipsis" vert="horz" wrap="square" anchor="ctr" anchorCtr="1"/>
+          <a:lstStyle/>
+          <a:p>
+            <a:pPr>
+              <a:defRPr sz="1400" b="0" i="0" u="none" strike="noStrike" kern="1200" spc="0" baseline="0">
+                <a:solidFill>
+                  <a:schemeClr val="tx1">
+                    <a:lumMod val="65000"/>
+                    <a:lumOff val="35000"/>
+                  </a:schemeClr>
+                </a:solidFill>
+                <a:latin typeface="+mn-lt"/>
+                <a:ea typeface="+mn-ea"/>
+                <a:cs typeface="+mn-cs"/>
+              </a:defRPr>
+            </a:pPr>
+            <a:r>
+              <a:rPr lang="en-US" altLang="ko-KR"/>
+              <a:t>NASA</a:t>
+            </a:r>
+          </a:p>
+        </c:rich>
+      </c:tx>
+      <c:overlay val="0"/>
+      <c:spPr>
+        <a:noFill/>
+        <a:ln>
+          <a:noFill/>
+        </a:ln>
+        <a:effectLst/>
+      </c:spPr>
+      <c:txPr>
+        <a:bodyPr rot="0" spcFirstLastPara="1" vertOverflow="ellipsis" vert="horz" wrap="square" anchor="ctr" anchorCtr="1"/>
+        <a:lstStyle/>
+        <a:p>
+          <a:pPr>
+            <a:defRPr sz="1400" b="0" i="0" u="none" strike="noStrike" kern="1200" spc="0" baseline="0">
+              <a:solidFill>
+                <a:schemeClr val="tx1">
+                  <a:lumMod val="65000"/>
+                  <a:lumOff val="35000"/>
+                </a:schemeClr>
+              </a:solidFill>
+              <a:latin typeface="+mn-lt"/>
+              <a:ea typeface="+mn-ea"/>
+              <a:cs typeface="+mn-cs"/>
+            </a:defRPr>
+          </a:pPr>
+          <a:endParaRPr lang="ko-KR"/>
+        </a:p>
+      </c:txPr>
+    </c:title>
+    <c:autoTitleDeleted val="0"/>
+    <c:plotArea>
+      <c:layout/>
+      <c:scatterChart>
+        <c:scatterStyle val="lineMarker"/>
+        <c:varyColors val="0"/>
+        <c:ser>
+          <c:idx val="0"/>
+          <c:order val="0"/>
+          <c:tx>
+            <c:strRef>
+              <c:f>'deg 10'!$E$1</c:f>
+              <c:strCache>
+                <c:ptCount val="1"/>
+                <c:pt idx="0">
+                  <c:v>Pressure_Coefficient</c:v>
+                </c:pt>
+              </c:strCache>
+            </c:strRef>
+          </c:tx>
+          <c:spPr>
+            <a:ln w="38100" cap="rnd">
+              <a:noFill/>
+              <a:round/>
+            </a:ln>
+            <a:effectLst/>
+          </c:spPr>
+          <c:marker>
+            <c:symbol val="circle"/>
+            <c:size val="5"/>
+            <c:spPr>
+              <a:solidFill>
+                <a:srgbClr val="FF0000"/>
+              </a:solidFill>
+              <a:ln w="9525">
+                <a:noFill/>
+              </a:ln>
+              <a:effectLst/>
+            </c:spPr>
+          </c:marker>
+          <c:xVal>
+            <c:numRef>
+              <c:f>'deg 10'!$D$2:$D$129</c:f>
+              <c:numCache>
+                <c:formatCode>General</c:formatCode>
+                <c:ptCount val="128"/>
+                <c:pt idx="0">
+                  <c:v>0.94830000000000003</c:v>
+                </c:pt>
+                <c:pt idx="1">
+                  <c:v>0.9</c:v>
+                </c:pt>
+                <c:pt idx="2">
+                  <c:v>0.85029999999999994</c:v>
+                </c:pt>
+                <c:pt idx="3">
+                  <c:v>0.79979999999999996</c:v>
+                </c:pt>
+                <c:pt idx="4">
+                  <c:v>0.74970000000000003</c:v>
+                </c:pt>
+                <c:pt idx="5">
+                  <c:v>0.70030000000000003</c:v>
+                </c:pt>
+                <c:pt idx="6">
+                  <c:v>0.6502</c:v>
+                </c:pt>
+                <c:pt idx="7">
+                  <c:v>0.59970000000000001</c:v>
+                </c:pt>
+                <c:pt idx="8">
+                  <c:v>0.55059999999999998</c:v>
+                </c:pt>
+                <c:pt idx="9">
+                  <c:v>0.5</c:v>
+                </c:pt>
+                <c:pt idx="10">
+                  <c:v>0.45029999999999998</c:v>
+                </c:pt>
+                <c:pt idx="11">
+                  <c:v>0.4</c:v>
+                </c:pt>
+                <c:pt idx="12">
+                  <c:v>0.35070000000000001</c:v>
+                </c:pt>
+                <c:pt idx="13">
+                  <c:v>0.30020000000000002</c:v>
+                </c:pt>
+                <c:pt idx="14">
+                  <c:v>0.25009999999999999</c:v>
+                </c:pt>
+                <c:pt idx="15">
+                  <c:v>0.20039999999999999</c:v>
+                </c:pt>
+                <c:pt idx="16">
+                  <c:v>0.15040000000000001</c:v>
+                </c:pt>
+                <c:pt idx="17">
+                  <c:v>0.1</c:v>
+                </c:pt>
+                <c:pt idx="18">
+                  <c:v>7.5499999999999998E-2</c:v>
+                </c:pt>
+                <c:pt idx="19">
+                  <c:v>5.0999999999999997E-2</c:v>
+                </c:pt>
+                <c:pt idx="20">
+                  <c:v>2.5100000000000001E-2</c:v>
+                </c:pt>
+                <c:pt idx="21">
+                  <c:v>1.2200000000000001E-2</c:v>
+                </c:pt>
+                <c:pt idx="22">
+                  <c:v>0</c:v>
+                </c:pt>
+                <c:pt idx="23">
+                  <c:v>1.35E-2</c:v>
+                </c:pt>
+                <c:pt idx="24">
+                  <c:v>2.7099999999999999E-2</c:v>
+                </c:pt>
+                <c:pt idx="25">
+                  <c:v>5.1499999999999997E-2</c:v>
+                </c:pt>
+                <c:pt idx="26">
+                  <c:v>7.6300000000000007E-2</c:v>
+                </c:pt>
+                <c:pt idx="27">
+                  <c:v>0.1012</c:v>
+                </c:pt>
+                <c:pt idx="28">
+                  <c:v>0.15029999999999999</c:v>
+                </c:pt>
+                <c:pt idx="29">
+                  <c:v>0.19939999999999999</c:v>
+                </c:pt>
+                <c:pt idx="30">
+                  <c:v>0.25009999999999999</c:v>
+                </c:pt>
+                <c:pt idx="31">
+                  <c:v>0.2999</c:v>
+                </c:pt>
+                <c:pt idx="32">
+                  <c:v>0.34989999999999999</c:v>
+                </c:pt>
+                <c:pt idx="33">
+                  <c:v>0.39939999999999998</c:v>
+                </c:pt>
+                <c:pt idx="34">
+                  <c:v>0.4496</c:v>
+                </c:pt>
+                <c:pt idx="35">
+                  <c:v>0.49969999999999998</c:v>
+                </c:pt>
+                <c:pt idx="36">
+                  <c:v>0.54920000000000002</c:v>
+                </c:pt>
+                <c:pt idx="37">
+                  <c:v>0.59940000000000004</c:v>
+                </c:pt>
+                <c:pt idx="38">
+                  <c:v>0.64949999999999997</c:v>
+                </c:pt>
+                <c:pt idx="39">
+                  <c:v>0.6996</c:v>
+                </c:pt>
+                <c:pt idx="40">
+                  <c:v>0.74890000000000001</c:v>
+                </c:pt>
+                <c:pt idx="41">
+                  <c:v>0.80030000000000001</c:v>
+                </c:pt>
+                <c:pt idx="42">
+                  <c:v>0.85</c:v>
+                </c:pt>
+                <c:pt idx="43">
+                  <c:v>0.89929999999999999</c:v>
+                </c:pt>
+                <c:pt idx="44">
+                  <c:v>0.94889999999999997</c:v>
+                </c:pt>
+              </c:numCache>
+            </c:numRef>
+          </c:xVal>
+          <c:yVal>
+            <c:numRef>
+              <c:f>'deg 10'!$E$2:$E$129</c:f>
+              <c:numCache>
+                <c:formatCode>General</c:formatCode>
+                <c:ptCount val="128"/>
+                <c:pt idx="0">
+                  <c:v>0.1172</c:v>
+                </c:pt>
+                <c:pt idx="1">
+                  <c:v>7.8299999999999995E-2</c:v>
+                </c:pt>
+                <c:pt idx="2">
+                  <c:v>8.8800000000000004E-2</c:v>
+                </c:pt>
+                <c:pt idx="3">
+                  <c:v>9.11E-2</c:v>
+                </c:pt>
+                <c:pt idx="4">
+                  <c:v>7.9000000000000001E-2</c:v>
+                </c:pt>
+                <c:pt idx="5">
+                  <c:v>8.09E-2</c:v>
+                </c:pt>
+                <c:pt idx="6">
+                  <c:v>7.2599999999999998E-2</c:v>
+                </c:pt>
+                <c:pt idx="7">
+                  <c:v>8.8499999999999995E-2</c:v>
+                </c:pt>
+                <c:pt idx="8">
+                  <c:v>9.3200000000000005E-2</c:v>
+                </c:pt>
+                <c:pt idx="9">
+                  <c:v>0.1022</c:v>
+                </c:pt>
+                <c:pt idx="10">
+                  <c:v>0.1147</c:v>
+                </c:pt>
+                <c:pt idx="11">
+                  <c:v>0.1366</c:v>
+                </c:pt>
+                <c:pt idx="12">
+                  <c:v>0.15310000000000001</c:v>
+                </c:pt>
+                <c:pt idx="13">
+                  <c:v>0.18659999999999999</c:v>
+                </c:pt>
+                <c:pt idx="14">
+                  <c:v>0.22450000000000001</c:v>
+                </c:pt>
+                <c:pt idx="15">
+                  <c:v>0.28070000000000001</c:v>
+                </c:pt>
+                <c:pt idx="16">
+                  <c:v>0.37030000000000002</c:v>
+                </c:pt>
+                <c:pt idx="17">
+                  <c:v>0.51939999999999997</c:v>
+                </c:pt>
+                <c:pt idx="18">
+                  <c:v>0.62549999999999994</c:v>
+                </c:pt>
+                <c:pt idx="19">
+                  <c:v>0.77090000000000003</c:v>
+                </c:pt>
+                <c:pt idx="20">
+                  <c:v>0.9798</c:v>
+                </c:pt>
+                <c:pt idx="21">
+                  <c:v>1.0066999999999999</c:v>
+                </c:pt>
+                <c:pt idx="22">
+                  <c:v>-2.4197000000000002</c:v>
+                </c:pt>
+                <c:pt idx="23">
+                  <c:v>-3.6981000000000002</c:v>
+                </c:pt>
+                <c:pt idx="24">
+                  <c:v>-2.9842</c:v>
+                </c:pt>
+                <c:pt idx="25">
+                  <c:v>-2.2957000000000001</c:v>
+                </c:pt>
+                <c:pt idx="26">
+                  <c:v>-1.9649000000000001</c:v>
+                </c:pt>
+                <c:pt idx="27">
+                  <c:v>-1.7081</c:v>
+                </c:pt>
+                <c:pt idx="28">
+                  <c:v>-1.3615999999999999</c:v>
+                </c:pt>
+                <c:pt idx="29">
+                  <c:v>-1.1692</c:v>
+                </c:pt>
+                <c:pt idx="30">
+                  <c:v>-0.999</c:v>
+                </c:pt>
+                <c:pt idx="31">
+                  <c:v>-0.86909999999999998</c:v>
+                </c:pt>
+                <c:pt idx="32">
+                  <c:v>-0.75949999999999995</c:v>
+                </c:pt>
+                <c:pt idx="33">
+                  <c:v>-0.65910000000000002</c:v>
+                </c:pt>
+                <c:pt idx="34">
+                  <c:v>-0.58409999999999995</c:v>
+                </c:pt>
+                <c:pt idx="35">
+                  <c:v>-0.50319999999999998</c:v>
+                </c:pt>
+                <c:pt idx="36">
+                  <c:v>-0.42909999999999998</c:v>
+                </c:pt>
+                <c:pt idx="37">
+                  <c:v>-0.36459999999999998</c:v>
+                </c:pt>
+                <c:pt idx="38">
+                  <c:v>-0.30559999999999998</c:v>
+                </c:pt>
+                <c:pt idx="39">
+                  <c:v>-0.24299999999999999</c:v>
+                </c:pt>
+                <c:pt idx="40">
+                  <c:v>-0.18840000000000001</c:v>
+                </c:pt>
+                <c:pt idx="41">
+                  <c:v>-0.11890000000000001</c:v>
+                </c:pt>
+                <c:pt idx="42">
+                  <c:v>-5.5100000000000003E-2</c:v>
+                </c:pt>
+                <c:pt idx="43">
+                  <c:v>1.52E-2</c:v>
+                </c:pt>
+                <c:pt idx="44">
+                  <c:v>8.6999999999999994E-2</c:v>
+                </c:pt>
+              </c:numCache>
+            </c:numRef>
+          </c:yVal>
+          <c:smooth val="0"/>
+          <c:extLst>
+            <c:ext xmlns:c16="http://schemas.microsoft.com/office/drawing/2014/chart" uri="{C3380CC4-5D6E-409C-BE32-E72D297353CC}">
+              <c16:uniqueId val="{00000000-D01A-473C-94AB-202B9D67BA6E}"/>
+            </c:ext>
+          </c:extLst>
+        </c:ser>
+        <c:dLbls>
+          <c:showLegendKey val="0"/>
+          <c:showVal val="0"/>
+          <c:showCatName val="0"/>
+          <c:showSerName val="0"/>
+          <c:showPercent val="0"/>
+          <c:showBubbleSize val="0"/>
+        </c:dLbls>
+        <c:axId val="524733904"/>
+        <c:axId val="524734384"/>
+      </c:scatterChart>
+      <c:valAx>
+        <c:axId val="524733904"/>
+        <c:scaling>
+          <c:orientation val="minMax"/>
+        </c:scaling>
+        <c:delete val="0"/>
+        <c:axPos val="t"/>
+        <c:majorGridlines>
+          <c:spPr>
+            <a:ln w="9525" cap="flat" cmpd="sng" algn="ctr">
+              <a:solidFill>
+                <a:schemeClr val="tx1">
+                  <a:lumMod val="15000"/>
+                  <a:lumOff val="85000"/>
+                </a:schemeClr>
+              </a:solidFill>
+              <a:round/>
+            </a:ln>
+            <a:effectLst/>
+          </c:spPr>
+        </c:majorGridlines>
+        <c:numFmt formatCode="General" sourceLinked="1"/>
+        <c:majorTickMark val="none"/>
+        <c:minorTickMark val="none"/>
+        <c:tickLblPos val="high"/>
+        <c:spPr>
+          <a:noFill/>
+          <a:ln w="9525" cap="flat" cmpd="sng" algn="ctr">
+            <a:solidFill>
+              <a:schemeClr val="tx1">
+                <a:lumMod val="25000"/>
+                <a:lumOff val="75000"/>
+              </a:schemeClr>
+            </a:solidFill>
+            <a:round/>
+          </a:ln>
+          <a:effectLst/>
+        </c:spPr>
+        <c:txPr>
+          <a:bodyPr rot="-60000000" spcFirstLastPara="1" vertOverflow="ellipsis" vert="horz" wrap="square" anchor="ctr" anchorCtr="1"/>
+          <a:lstStyle/>
+          <a:p>
+            <a:pPr>
+              <a:defRPr sz="900" b="0" i="0" u="none" strike="noStrike" kern="1200" baseline="0">
+                <a:solidFill>
+                  <a:schemeClr val="tx1">
+                    <a:lumMod val="65000"/>
+                    <a:lumOff val="35000"/>
+                  </a:schemeClr>
+                </a:solidFill>
+                <a:latin typeface="+mn-lt"/>
+                <a:ea typeface="+mn-ea"/>
+                <a:cs typeface="+mn-cs"/>
+              </a:defRPr>
+            </a:pPr>
+            <a:endParaRPr lang="ko-KR"/>
+          </a:p>
+        </c:txPr>
+        <c:crossAx val="524734384"/>
+        <c:crosses val="autoZero"/>
+        <c:crossBetween val="midCat"/>
+      </c:valAx>
+      <c:valAx>
+        <c:axId val="524734384"/>
+        <c:scaling>
+          <c:orientation val="maxMin"/>
+        </c:scaling>
+        <c:delete val="0"/>
+        <c:axPos val="l"/>
+        <c:majorGridlines>
+          <c:spPr>
+            <a:ln w="9525" cap="flat" cmpd="sng" algn="ctr">
+              <a:solidFill>
+                <a:schemeClr val="tx1">
+                  <a:lumMod val="15000"/>
+                  <a:lumOff val="85000"/>
+                </a:schemeClr>
+              </a:solidFill>
+              <a:round/>
+            </a:ln>
+            <a:effectLst/>
+          </c:spPr>
+        </c:majorGridlines>
+        <c:numFmt formatCode="General" sourceLinked="1"/>
+        <c:majorTickMark val="none"/>
+        <c:minorTickMark val="none"/>
+        <c:tickLblPos val="nextTo"/>
+        <c:spPr>
+          <a:noFill/>
+          <a:ln w="9525" cap="flat" cmpd="sng" algn="ctr">
+            <a:solidFill>
+              <a:schemeClr val="tx1">
+                <a:lumMod val="25000"/>
+                <a:lumOff val="75000"/>
+              </a:schemeClr>
+            </a:solidFill>
+            <a:round/>
+          </a:ln>
+          <a:effectLst/>
+        </c:spPr>
+        <c:txPr>
+          <a:bodyPr rot="-60000000" spcFirstLastPara="1" vertOverflow="ellipsis" vert="horz" wrap="square" anchor="ctr" anchorCtr="1"/>
+          <a:lstStyle/>
+          <a:p>
+            <a:pPr>
+              <a:defRPr sz="900" b="0" i="0" u="none" strike="noStrike" kern="1200" baseline="0">
+                <a:solidFill>
+                  <a:schemeClr val="tx1">
+                    <a:lumMod val="65000"/>
+                    <a:lumOff val="35000"/>
+                  </a:schemeClr>
+                </a:solidFill>
+                <a:latin typeface="+mn-lt"/>
+                <a:ea typeface="+mn-ea"/>
+                <a:cs typeface="+mn-cs"/>
+              </a:defRPr>
+            </a:pPr>
+            <a:endParaRPr lang="ko-KR"/>
+          </a:p>
+        </c:txPr>
+        <c:crossAx val="524733904"/>
+        <c:crosses val="autoZero"/>
+        <c:crossBetween val="midCat"/>
+      </c:valAx>
+      <c:spPr>
+        <a:noFill/>
+        <a:ln>
+          <a:noFill/>
+        </a:ln>
+        <a:effectLst/>
+      </c:spPr>
+    </c:plotArea>
+    <c:plotVisOnly val="1"/>
+    <c:dispBlanksAs val="gap"/>
+    <c:showDLblsOverMax val="0"/>
+    <c:extLst>
+      <c:ext xmlns:c16r3="http://schemas.microsoft.com/office/drawing/2017/03/chart" uri="{56B9EC1D-385E-4148-901F-78D8002777C0}">
+        <c16r3:dataDisplayOptions16>
+          <c16r3:dispNaAsBlank val="1"/>
+        </c16r3:dataDisplayOptions16>
+      </c:ext>
+    </c:extLst>
+  </c:chart>
+  <c:spPr>
+    <a:noFill/>
+    <a:ln>
+      <a:noFill/>
+    </a:ln>
+    <a:effectLst/>
+  </c:spPr>
+  <c:txPr>
+    <a:bodyPr/>
+    <a:lstStyle/>
+    <a:p>
+      <a:pPr>
+        <a:defRPr/>
+      </a:pPr>
+      <a:endParaRPr lang="ko-KR"/>
+    </a:p>
+  </c:txPr>
+  <c:externalData r:id="rId3">
+    <c:autoUpdate val="0"/>
+  </c:externalData>
+</c:chartSpace>
+</file>
+
+<file path=ppt/charts/chart12.xml><?xml version="1.0" encoding="utf-8"?>
+<c:chartSpace xmlns:c="http://schemas.openxmlformats.org/drawingml/2006/chart" xmlns:a="http://schemas.openxmlformats.org/drawingml/2006/main" xmlns:r="http://schemas.openxmlformats.org/officeDocument/2006/relationships" xmlns:c16r2="http://schemas.microsoft.com/office/drawing/2015/06/chart">
+  <c:date1904 val="0"/>
+  <c:lang val="ko-KR"/>
+  <c:roundedCorners val="0"/>
+  <mc:AlternateContent xmlns:mc="http://schemas.openxmlformats.org/markup-compatibility/2006">
+    <mc:Choice xmlns:c14="http://schemas.microsoft.com/office/drawing/2007/8/2/chart" Requires="c14">
+      <c14:style val="102"/>
+    </mc:Choice>
+    <mc:Fallback>
+      <c:style val="2"/>
+    </mc:Fallback>
+  </mc:AlternateContent>
+  <c:chart>
+    <c:title>
+      <c:tx>
+        <c:rich>
+          <a:bodyPr rot="0" spcFirstLastPara="1" vertOverflow="ellipsis" vert="horz" wrap="square" anchor="ctr" anchorCtr="1"/>
+          <a:lstStyle/>
+          <a:p>
+            <a:pPr>
+              <a:defRPr sz="1400" b="0" i="0" u="none" strike="noStrike" kern="1200" spc="0" baseline="0">
+                <a:solidFill>
+                  <a:schemeClr val="tx1">
+                    <a:lumMod val="65000"/>
+                    <a:lumOff val="35000"/>
+                  </a:schemeClr>
+                </a:solidFill>
+                <a:latin typeface="+mn-lt"/>
+                <a:ea typeface="+mn-ea"/>
+                <a:cs typeface="+mn-cs"/>
+              </a:defRPr>
+            </a:pPr>
+            <a:r>
+              <a:rPr lang="ko-KR" altLang="en-US"/>
+              <a:t>비교</a:t>
+            </a:r>
+            <a:endParaRPr lang="en-US" altLang="ko-KR"/>
+          </a:p>
+        </c:rich>
+      </c:tx>
+      <c:overlay val="0"/>
+      <c:spPr>
+        <a:noFill/>
+        <a:ln>
+          <a:noFill/>
+        </a:ln>
+        <a:effectLst/>
+      </c:spPr>
+    </c:title>
+    <c:autoTitleDeleted val="0"/>
+    <c:plotArea>
+      <c:layout/>
+      <c:scatterChart>
+        <c:scatterStyle val="smoothMarker"/>
+        <c:varyColors val="0"/>
+        <c:ser>
+          <c:idx val="1"/>
+          <c:order val="0"/>
+          <c:tx>
+            <c:strRef>
+              <c:f>'deg 10'!$B$1</c:f>
+              <c:strCache>
+                <c:ptCount val="1"/>
+                <c:pt idx="0">
+                  <c:v>Pressure_Coefficient</c:v>
+                </c:pt>
+              </c:strCache>
+            </c:strRef>
+          </c:tx>
+          <c:spPr>
+            <a:ln>
+              <a:solidFill>
+                <a:schemeClr val="accent1"/>
+              </a:solidFill>
+            </a:ln>
+          </c:spPr>
+          <c:marker>
+            <c:symbol val="none"/>
+          </c:marker>
+          <c:xVal>
+            <c:numRef>
+              <c:f>'deg 10'!$A$2:$A$129</c:f>
+              <c:numCache>
+                <c:formatCode>General</c:formatCode>
+                <c:ptCount val="128"/>
+                <c:pt idx="0">
+                  <c:v>1</c:v>
+                </c:pt>
+                <c:pt idx="1">
+                  <c:v>0.99578199999999994</c:v>
+                </c:pt>
+                <c:pt idx="2">
+                  <c:v>0.99092400000000003</c:v>
+                </c:pt>
+                <c:pt idx="3">
+                  <c:v>0.98533700000000002</c:v>
+                </c:pt>
+                <c:pt idx="4">
+                  <c:v>0.97892100000000004</c:v>
+                </c:pt>
+                <c:pt idx="5">
+                  <c:v>0.97156799999999999</c:v>
+                </c:pt>
+                <c:pt idx="6">
+                  <c:v>0.96315700000000004</c:v>
+                </c:pt>
+                <c:pt idx="7">
+                  <c:v>0.95355999999999996</c:v>
+                </c:pt>
+                <c:pt idx="8">
+                  <c:v>0.94264099999999995</c:v>
+                </c:pt>
+                <c:pt idx="9">
+                  <c:v>0.93025500000000005</c:v>
+                </c:pt>
+                <c:pt idx="10">
+                  <c:v>0.91625599999999996</c:v>
+                </c:pt>
+                <c:pt idx="11">
+                  <c:v>0.90049599999999996</c:v>
+                </c:pt>
+                <c:pt idx="12">
+                  <c:v>0.88283599999999995</c:v>
+                </c:pt>
+                <c:pt idx="13">
+                  <c:v>0.86314599999999997</c:v>
+                </c:pt>
+                <c:pt idx="14">
+                  <c:v>0.84131599999999995</c:v>
+                </c:pt>
+                <c:pt idx="15">
+                  <c:v>0.81726600000000005</c:v>
+                </c:pt>
+                <c:pt idx="16">
+                  <c:v>0.79095199999999999</c:v>
+                </c:pt>
+                <c:pt idx="17">
+                  <c:v>0.762378</c:v>
+                </c:pt>
+                <c:pt idx="18">
+                  <c:v>0.731603</c:v>
+                </c:pt>
+                <c:pt idx="19">
+                  <c:v>0.69874999999999998</c:v>
+                </c:pt>
+                <c:pt idx="20">
+                  <c:v>0.66400700000000001</c:v>
+                </c:pt>
+                <c:pt idx="21">
+                  <c:v>0.62762799999999996</c:v>
+                </c:pt>
+                <c:pt idx="22">
+                  <c:v>0.58993300000000004</c:v>
+                </c:pt>
+                <c:pt idx="23">
+                  <c:v>0.551292</c:v>
+                </c:pt>
+                <c:pt idx="24">
+                  <c:v>0.51211700000000004</c:v>
+                </c:pt>
+                <c:pt idx="25">
+                  <c:v>0.47284300000000001</c:v>
+                </c:pt>
+                <c:pt idx="26">
+                  <c:v>0.43391200000000002</c:v>
+                </c:pt>
+                <c:pt idx="27">
+                  <c:v>0.39574900000000002</c:v>
+                </c:pt>
+                <c:pt idx="28">
+                  <c:v>0.35874699999999998</c:v>
+                </c:pt>
+                <c:pt idx="29">
+                  <c:v>0.32325300000000001</c:v>
+                </c:pt>
+                <c:pt idx="30">
+                  <c:v>0.28955399999999998</c:v>
+                </c:pt>
+                <c:pt idx="31">
+                  <c:v>0.25787300000000002</c:v>
+                </c:pt>
+                <c:pt idx="32">
+                  <c:v>0.22836699999999999</c:v>
+                </c:pt>
+                <c:pt idx="33">
+                  <c:v>0.201125</c:v>
+                </c:pt>
+                <c:pt idx="34">
+                  <c:v>0.17618</c:v>
+                </c:pt>
+                <c:pt idx="35">
+                  <c:v>0.15351100000000001</c:v>
+                </c:pt>
+                <c:pt idx="36">
+                  <c:v>0.13305700000000001</c:v>
+                </c:pt>
+                <c:pt idx="37">
+                  <c:v>0.114722</c:v>
+                </c:pt>
+                <c:pt idx="38">
+                  <c:v>9.8385500000000001E-2</c:v>
+                </c:pt>
+                <c:pt idx="39">
+                  <c:v>8.3912299999999995E-2</c:v>
+                </c:pt>
+                <c:pt idx="40">
+                  <c:v>7.1158299999999994E-2</c:v>
+                </c:pt>
+                <c:pt idx="41">
+                  <c:v>5.9976700000000001E-2</c:v>
+                </c:pt>
+                <c:pt idx="42">
+                  <c:v>5.02224E-2</c:v>
+                </c:pt>
+                <c:pt idx="43">
+                  <c:v>4.1755899999999999E-2</c:v>
+                </c:pt>
+                <c:pt idx="44">
+                  <c:v>3.4445099999999999E-2</c:v>
+                </c:pt>
+                <c:pt idx="45">
+                  <c:v>2.81672E-2</c:v>
+                </c:pt>
+                <c:pt idx="46">
+                  <c:v>2.2809400000000001E-2</c:v>
+                </c:pt>
+                <c:pt idx="47">
+                  <c:v>1.8268900000000001E-2</c:v>
+                </c:pt>
+                <c:pt idx="48">
+                  <c:v>1.44522E-2</c:v>
+                </c:pt>
+                <c:pt idx="49">
+                  <c:v>1.1275200000000001E-2</c:v>
+                </c:pt>
+                <c:pt idx="50">
+                  <c:v>8.6609800000000004E-3</c:v>
+                </c:pt>
+                <c:pt idx="51">
+                  <c:v>6.5392599999999999E-3</c:v>
+                </c:pt>
+                <c:pt idx="52">
+                  <c:v>4.8445500000000004E-3</c:v>
+                </c:pt>
+                <c:pt idx="53">
+                  <c:v>3.5153200000000002E-3</c:v>
+                </c:pt>
+                <c:pt idx="54">
+                  <c:v>2.49343E-3</c:v>
+                </c:pt>
+                <c:pt idx="55">
+                  <c:v>1.7246200000000001E-3</c:v>
+                </c:pt>
+                <c:pt idx="56">
+                  <c:v>1.15919E-3</c:v>
+                </c:pt>
+                <c:pt idx="57">
+                  <c:v>7.5318900000000003E-4</c:v>
+                </c:pt>
+                <c:pt idx="58">
+                  <c:v>4.6912800000000003E-4</c:v>
+                </c:pt>
+                <c:pt idx="59">
+                  <c:v>2.7623600000000002E-4</c:v>
+                </c:pt>
+                <c:pt idx="60">
+                  <c:v>1.5007900000000001E-4</c:v>
+                </c:pt>
+                <c:pt idx="61" formatCode="0.00E+00">
+                  <c:v>7.1803299999999997E-5</c:v>
+                </c:pt>
+                <c:pt idx="62" formatCode="0.00E+00">
+                  <c:v>2.7212800000000001E-5</c:v>
+                </c:pt>
+                <c:pt idx="63" formatCode="0.00E+00">
+                  <c:v>5.8186100000000004E-6</c:v>
+                </c:pt>
+                <c:pt idx="64">
+                  <c:v>0</c:v>
+                </c:pt>
+                <c:pt idx="65" formatCode="0.00E+00">
+                  <c:v>5.8186100000000004E-6</c:v>
+                </c:pt>
+                <c:pt idx="66" formatCode="0.00E+00">
+                  <c:v>2.7212800000000001E-5</c:v>
+                </c:pt>
+                <c:pt idx="67" formatCode="0.00E+00">
+                  <c:v>7.1803299999999997E-5</c:v>
+                </c:pt>
+                <c:pt idx="68">
+                  <c:v>1.5007900000000001E-4</c:v>
+                </c:pt>
+                <c:pt idx="69">
+                  <c:v>2.7623600000000002E-4</c:v>
+                </c:pt>
+                <c:pt idx="70">
+                  <c:v>4.6912800000000003E-4</c:v>
+                </c:pt>
+                <c:pt idx="71">
+                  <c:v>7.5318900000000003E-4</c:v>
+                </c:pt>
+                <c:pt idx="72">
+                  <c:v>1.15919E-3</c:v>
+                </c:pt>
+                <c:pt idx="73">
+                  <c:v>1.7246200000000001E-3</c:v>
+                </c:pt>
+                <c:pt idx="74">
+                  <c:v>2.49343E-3</c:v>
+                </c:pt>
+                <c:pt idx="75">
+                  <c:v>3.5153200000000002E-3</c:v>
+                </c:pt>
+                <c:pt idx="76">
+                  <c:v>4.8445500000000004E-3</c:v>
+                </c:pt>
+                <c:pt idx="77">
+                  <c:v>6.5392599999999999E-3</c:v>
+                </c:pt>
+                <c:pt idx="78">
+                  <c:v>8.6609800000000004E-3</c:v>
+                </c:pt>
+                <c:pt idx="79">
+                  <c:v>1.1275200000000001E-2</c:v>
+                </c:pt>
+                <c:pt idx="80">
+                  <c:v>1.44522E-2</c:v>
+                </c:pt>
+                <c:pt idx="81">
+                  <c:v>1.8268900000000001E-2</c:v>
+                </c:pt>
+                <c:pt idx="82">
+                  <c:v>2.2809400000000001E-2</c:v>
+                </c:pt>
+                <c:pt idx="83">
+                  <c:v>2.81672E-2</c:v>
+                </c:pt>
+                <c:pt idx="84">
+                  <c:v>3.4445099999999999E-2</c:v>
+                </c:pt>
+                <c:pt idx="85">
+                  <c:v>4.1755899999999999E-2</c:v>
+                </c:pt>
+                <c:pt idx="86">
+                  <c:v>5.02224E-2</c:v>
+                </c:pt>
+                <c:pt idx="87">
+                  <c:v>5.9976700000000001E-2</c:v>
+                </c:pt>
+                <c:pt idx="88">
+                  <c:v>7.1158299999999994E-2</c:v>
+                </c:pt>
+                <c:pt idx="89">
+                  <c:v>8.3912299999999995E-2</c:v>
+                </c:pt>
+                <c:pt idx="90">
+                  <c:v>9.8385500000000001E-2</c:v>
+                </c:pt>
+                <c:pt idx="91">
+                  <c:v>0.114722</c:v>
+                </c:pt>
+                <c:pt idx="92">
+                  <c:v>0.13305700000000001</c:v>
+                </c:pt>
+                <c:pt idx="93">
+                  <c:v>0.15351100000000001</c:v>
+                </c:pt>
+                <c:pt idx="94">
+                  <c:v>0.17618</c:v>
+                </c:pt>
+                <c:pt idx="95">
+                  <c:v>0.201125</c:v>
+                </c:pt>
+                <c:pt idx="96">
+                  <c:v>0.22836699999999999</c:v>
+                </c:pt>
+                <c:pt idx="97">
+                  <c:v>0.25787300000000002</c:v>
+                </c:pt>
+                <c:pt idx="98">
+                  <c:v>0.28955399999999998</c:v>
+                </c:pt>
+                <c:pt idx="99">
+                  <c:v>0.32325300000000001</c:v>
+                </c:pt>
+                <c:pt idx="100">
+                  <c:v>0.35874699999999998</c:v>
+                </c:pt>
+                <c:pt idx="101">
+                  <c:v>0.39574900000000002</c:v>
+                </c:pt>
+                <c:pt idx="102">
+                  <c:v>0.43391200000000002</c:v>
+                </c:pt>
+                <c:pt idx="103">
+                  <c:v>0.47284300000000001</c:v>
+                </c:pt>
+                <c:pt idx="104">
+                  <c:v>0.51211700000000004</c:v>
+                </c:pt>
+                <c:pt idx="105">
+                  <c:v>0.551292</c:v>
+                </c:pt>
+                <c:pt idx="106">
+                  <c:v>0.58993300000000004</c:v>
+                </c:pt>
+                <c:pt idx="107">
+                  <c:v>0.62762799999999996</c:v>
+                </c:pt>
+                <c:pt idx="108">
+                  <c:v>0.66400700000000001</c:v>
+                </c:pt>
+                <c:pt idx="109">
+                  <c:v>0.69874999999999998</c:v>
+                </c:pt>
+                <c:pt idx="110">
+                  <c:v>0.731603</c:v>
+                </c:pt>
+                <c:pt idx="111">
+                  <c:v>0.762378</c:v>
+                </c:pt>
+                <c:pt idx="112">
+                  <c:v>0.79095199999999999</c:v>
+                </c:pt>
+                <c:pt idx="113">
+                  <c:v>0.81726600000000005</c:v>
+                </c:pt>
+                <c:pt idx="114">
+                  <c:v>0.84131599999999995</c:v>
+                </c:pt>
+                <c:pt idx="115">
+                  <c:v>0.86314599999999997</c:v>
+                </c:pt>
+                <c:pt idx="116">
+                  <c:v>0.88283599999999995</c:v>
+                </c:pt>
+                <c:pt idx="117">
+                  <c:v>0.90049599999999996</c:v>
+                </c:pt>
+                <c:pt idx="118">
+                  <c:v>0.91625599999999996</c:v>
+                </c:pt>
+                <c:pt idx="119">
+                  <c:v>0.93025500000000005</c:v>
+                </c:pt>
+                <c:pt idx="120">
+                  <c:v>0.94264099999999995</c:v>
+                </c:pt>
+                <c:pt idx="121">
+                  <c:v>0.95355999999999996</c:v>
+                </c:pt>
+                <c:pt idx="122">
+                  <c:v>0.96315700000000004</c:v>
+                </c:pt>
+                <c:pt idx="123">
+                  <c:v>0.97156799999999999</c:v>
+                </c:pt>
+                <c:pt idx="124">
+                  <c:v>0.97892100000000004</c:v>
+                </c:pt>
+                <c:pt idx="125">
+                  <c:v>0.98533700000000002</c:v>
+                </c:pt>
+                <c:pt idx="126">
+                  <c:v>0.99092400000000003</c:v>
+                </c:pt>
+                <c:pt idx="127">
+                  <c:v>0.99578199999999994</c:v>
+                </c:pt>
+              </c:numCache>
+            </c:numRef>
+          </c:xVal>
+          <c:yVal>
+            <c:numRef>
+              <c:f>'deg 10'!$B$2:$B$129</c:f>
+              <c:numCache>
+                <c:formatCode>General</c:formatCode>
+                <c:ptCount val="128"/>
+                <c:pt idx="0">
+                  <c:v>0.166492</c:v>
+                </c:pt>
+                <c:pt idx="1">
+                  <c:v>0.164101</c:v>
+                </c:pt>
+                <c:pt idx="2">
+                  <c:v>0.195773</c:v>
+                </c:pt>
+                <c:pt idx="3">
+                  <c:v>0.17057600000000001</c:v>
+                </c:pt>
+                <c:pt idx="4">
+                  <c:v>0.16361300000000001</c:v>
+                </c:pt>
+                <c:pt idx="5">
+                  <c:v>0.153917</c:v>
+                </c:pt>
+                <c:pt idx="6">
+                  <c:v>0.146458</c:v>
+                </c:pt>
+                <c:pt idx="7">
+                  <c:v>0.139048</c:v>
+                </c:pt>
+                <c:pt idx="8">
+                  <c:v>0.13258500000000001</c:v>
+                </c:pt>
+                <c:pt idx="9">
+                  <c:v>0.12663099999999999</c:v>
+                </c:pt>
+                <c:pt idx="10">
+                  <c:v>0.121396</c:v>
+                </c:pt>
+                <c:pt idx="11">
+                  <c:v>0.116809</c:v>
+                </c:pt>
+                <c:pt idx="12">
+                  <c:v>0.112955</c:v>
+                </c:pt>
+                <c:pt idx="13">
+                  <c:v>0.10985499999999999</c:v>
+                </c:pt>
+                <c:pt idx="14">
+                  <c:v>0.107568</c:v>
+                </c:pt>
+                <c:pt idx="15">
+                  <c:v>0.10613400000000001</c:v>
+                </c:pt>
+                <c:pt idx="16">
+                  <c:v>0.105591</c:v>
+                </c:pt>
+                <c:pt idx="17">
+                  <c:v>0.10598</c:v>
+                </c:pt>
+                <c:pt idx="18">
+                  <c:v>0.10734100000000001</c:v>
+                </c:pt>
+                <c:pt idx="19">
+                  <c:v>0.109725</c:v>
+                </c:pt>
+                <c:pt idx="20">
+                  <c:v>0.113202</c:v>
+                </c:pt>
+                <c:pt idx="21">
+                  <c:v>0.11787499999999999</c:v>
+                </c:pt>
+                <c:pt idx="22">
+                  <c:v>0.123894</c:v>
+                </c:pt>
+                <c:pt idx="23">
+                  <c:v>0.13144</c:v>
+                </c:pt>
+                <c:pt idx="24">
+                  <c:v>0.14077700000000001</c:v>
+                </c:pt>
+                <c:pt idx="25">
+                  <c:v>0.152195</c:v>
+                </c:pt>
+                <c:pt idx="26">
+                  <c:v>0.16608000000000001</c:v>
+                </c:pt>
+                <c:pt idx="27">
+                  <c:v>0.182813</c:v>
+                </c:pt>
+                <c:pt idx="28">
+                  <c:v>0.20283999999999999</c:v>
+                </c:pt>
+                <c:pt idx="29">
+                  <c:v>0.22650700000000001</c:v>
+                </c:pt>
+                <c:pt idx="30">
+                  <c:v>0.25416800000000001</c:v>
+                </c:pt>
+                <c:pt idx="31">
+                  <c:v>0.28604000000000002</c:v>
+                </c:pt>
+                <c:pt idx="32">
+                  <c:v>0.32228899999999999</c:v>
+                </c:pt>
+                <c:pt idx="33">
+                  <c:v>0.36293799999999998</c:v>
+                </c:pt>
+                <c:pt idx="34">
+                  <c:v>0.40797600000000001</c:v>
+                </c:pt>
+                <c:pt idx="35">
+                  <c:v>0.45714100000000002</c:v>
+                </c:pt>
+                <c:pt idx="36">
+                  <c:v>0.51021300000000003</c:v>
+                </c:pt>
+                <c:pt idx="37">
+                  <c:v>0.56670799999999999</c:v>
+                </c:pt>
+                <c:pt idx="38">
+                  <c:v>0.62598600000000004</c:v>
+                </c:pt>
+                <c:pt idx="39">
+                  <c:v>0.68724600000000002</c:v>
+                </c:pt>
+                <c:pt idx="40">
+                  <c:v>0.74935600000000002</c:v>
+                </c:pt>
+                <c:pt idx="41">
+                  <c:v>0.810778</c:v>
+                </c:pt>
+                <c:pt idx="42">
+                  <c:v>0.86948400000000003</c:v>
+                </c:pt>
+                <c:pt idx="43">
+                  <c:v>0.92271700000000001</c:v>
+                </c:pt>
+                <c:pt idx="44">
+                  <c:v>0.96670599999999995</c:v>
+                </c:pt>
+                <c:pt idx="45">
+                  <c:v>0.99642500000000001</c:v>
+                </c:pt>
+                <c:pt idx="46">
+                  <c:v>1.00535</c:v>
+                </c:pt>
+                <c:pt idx="47">
+                  <c:v>0.98541599999999996</c:v>
+                </c:pt>
+                <c:pt idx="48">
+                  <c:v>0.92690399999999995</c:v>
+                </c:pt>
+                <c:pt idx="49">
+                  <c:v>0.818998</c:v>
+                </c:pt>
+                <c:pt idx="50">
+                  <c:v>0.65137</c:v>
+                </c:pt>
+                <c:pt idx="51">
+                  <c:v>0.416327</c:v>
+                </c:pt>
+                <c:pt idx="52">
+                  <c:v>0.111773</c:v>
+                </c:pt>
+                <c:pt idx="53">
+                  <c:v>-0.25603799999999999</c:v>
+                </c:pt>
+                <c:pt idx="54">
+                  <c:v>-0.67182900000000001</c:v>
+                </c:pt>
+                <c:pt idx="55">
+                  <c:v>-1.1135299999999999</c:v>
+                </c:pt>
+                <c:pt idx="56">
+                  <c:v>-1.5570200000000001</c:v>
+                </c:pt>
+                <c:pt idx="57">
+                  <c:v>-1.98082</c:v>
+                </c:pt>
+                <c:pt idx="58">
+                  <c:v>-2.3697499999999998</c:v>
+                </c:pt>
+                <c:pt idx="59">
+                  <c:v>-2.7153700000000001</c:v>
+                </c:pt>
+                <c:pt idx="60">
+                  <c:v>-3.0175999999999998</c:v>
+                </c:pt>
+                <c:pt idx="61">
+                  <c:v>-3.2756699999999999</c:v>
+                </c:pt>
+                <c:pt idx="62">
+                  <c:v>-3.5032100000000002</c:v>
+                </c:pt>
+                <c:pt idx="63">
+                  <c:v>-3.6804100000000002</c:v>
+                </c:pt>
+                <c:pt idx="64">
+                  <c:v>-3.8861300000000001</c:v>
+                </c:pt>
+                <c:pt idx="65">
+                  <c:v>-4.0770499999999998</c:v>
+                </c:pt>
+                <c:pt idx="66">
+                  <c:v>-4.2084999999999999</c:v>
+                </c:pt>
+                <c:pt idx="67">
+                  <c:v>-4.4071600000000002</c:v>
+                </c:pt>
+                <c:pt idx="68">
+                  <c:v>-4.61911</c:v>
+                </c:pt>
+                <c:pt idx="69">
+                  <c:v>-4.8425799999999999</c:v>
+                </c:pt>
+                <c:pt idx="70">
+                  <c:v>-5.0683800000000003</c:v>
+                </c:pt>
+                <c:pt idx="71">
+                  <c:v>-5.2810600000000001</c:v>
+                </c:pt>
+                <c:pt idx="72">
+                  <c:v>-5.4614399999999996</c:v>
+                </c:pt>
+                <c:pt idx="73">
+                  <c:v>-5.5881299999999996</c:v>
+                </c:pt>
+                <c:pt idx="74">
+                  <c:v>-5.6430499999999997</c:v>
+                </c:pt>
+                <c:pt idx="75">
+                  <c:v>-5.6143700000000001</c:v>
+                </c:pt>
+                <c:pt idx="76">
+                  <c:v>-5.4991000000000003</c:v>
+                </c:pt>
+                <c:pt idx="77">
+                  <c:v>-5.3053999999999997</c:v>
+                </c:pt>
+                <c:pt idx="78">
+                  <c:v>-5.0503200000000001</c:v>
+                </c:pt>
+                <c:pt idx="79">
+                  <c:v>-4.7547199999999998</c:v>
+                </c:pt>
+                <c:pt idx="80">
+                  <c:v>-4.4384800000000002</c:v>
+                </c:pt>
+                <c:pt idx="81">
+                  <c:v>-4.1179100000000002</c:v>
+                </c:pt>
+                <c:pt idx="82">
+                  <c:v>-3.8056899999999998</c:v>
+                </c:pt>
+                <c:pt idx="83">
+                  <c:v>-3.50936</c:v>
+                </c:pt>
+                <c:pt idx="84">
+                  <c:v>-3.2323</c:v>
+                </c:pt>
+                <c:pt idx="85">
+                  <c:v>-2.9759199999999999</c:v>
+                </c:pt>
+                <c:pt idx="86">
+                  <c:v>-2.7401200000000001</c:v>
+                </c:pt>
+                <c:pt idx="87">
+                  <c:v>-2.5238900000000002</c:v>
+                </c:pt>
+                <c:pt idx="88">
+                  <c:v>-2.3258299999999998</c:v>
+                </c:pt>
+                <c:pt idx="89">
+                  <c:v>-2.1443599999999998</c:v>
+                </c:pt>
+                <c:pt idx="90">
+                  <c:v>-1.97776</c:v>
+                </c:pt>
+                <c:pt idx="91">
+                  <c:v>-1.82426</c:v>
+                </c:pt>
+                <c:pt idx="92">
+                  <c:v>-1.6822600000000001</c:v>
+                </c:pt>
+                <c:pt idx="93">
+                  <c:v>-1.5503800000000001</c:v>
+                </c:pt>
+                <c:pt idx="94">
+                  <c:v>-1.42737</c:v>
+                </c:pt>
+                <c:pt idx="95">
+                  <c:v>-1.3121700000000001</c:v>
+                </c:pt>
+                <c:pt idx="96">
+                  <c:v>-1.2039800000000001</c:v>
+                </c:pt>
+                <c:pt idx="97">
+                  <c:v>-1.10215</c:v>
+                </c:pt>
+                <c:pt idx="98">
+                  <c:v>-1.0061800000000001</c:v>
+                </c:pt>
+                <c:pt idx="99">
+                  <c:v>-0.91579299999999997</c:v>
+                </c:pt>
+                <c:pt idx="100">
+                  <c:v>-0.83067000000000002</c:v>
+                </c:pt>
+                <c:pt idx="101">
+                  <c:v>-0.75073500000000004</c:v>
+                </c:pt>
+                <c:pt idx="102">
+                  <c:v>-0.67573000000000005</c:v>
+                </c:pt>
+                <c:pt idx="103">
+                  <c:v>-0.60556600000000005</c:v>
+                </c:pt>
+                <c:pt idx="104">
+                  <c:v>-0.53995899999999997</c:v>
+                </c:pt>
+                <c:pt idx="105">
+                  <c:v>-0.47877999999999998</c:v>
+                </c:pt>
+                <c:pt idx="106">
+                  <c:v>-0.421682</c:v>
+                </c:pt>
+                <c:pt idx="107">
+                  <c:v>-0.36850100000000002</c:v>
+                </c:pt>
+                <c:pt idx="108">
+                  <c:v>-0.31883600000000001</c:v>
+                </c:pt>
+                <c:pt idx="109">
+                  <c:v>-0.27247500000000002</c:v>
+                </c:pt>
+                <c:pt idx="110">
+                  <c:v>-0.22903899999999999</c:v>
+                </c:pt>
+                <c:pt idx="111">
+                  <c:v>-0.188359</c:v>
+                </c:pt>
+                <c:pt idx="112">
+                  <c:v>-0.15022099999999999</c:v>
+                </c:pt>
+                <c:pt idx="113">
+                  <c:v>-0.114569</c:v>
+                </c:pt>
+                <c:pt idx="114">
+                  <c:v>-8.1345600000000004E-2</c:v>
+                </c:pt>
+                <c:pt idx="115">
+                  <c:v>-5.0596700000000001E-2</c:v>
+                </c:pt>
+                <c:pt idx="116">
+                  <c:v>-2.23638E-2</c:v>
+                </c:pt>
+                <c:pt idx="117">
+                  <c:v>3.3207900000000001E-3</c:v>
+                </c:pt>
+                <c:pt idx="118">
+                  <c:v>2.6442500000000001E-2</c:v>
+                </c:pt>
+                <c:pt idx="119">
+                  <c:v>4.7059499999999997E-2</c:v>
+                </c:pt>
+                <c:pt idx="120">
+                  <c:v>6.5209699999999995E-2</c:v>
+                </c:pt>
+                <c:pt idx="121">
+                  <c:v>8.1148100000000001E-2</c:v>
+                </c:pt>
+                <c:pt idx="122">
+                  <c:v>9.4851599999999994E-2</c:v>
+                </c:pt>
+                <c:pt idx="123">
+                  <c:v>0.107015</c:v>
+                </c:pt>
+                <c:pt idx="124">
+                  <c:v>0.117087</c:v>
+                </c:pt>
+                <c:pt idx="125">
+                  <c:v>0.12692500000000001</c:v>
+                </c:pt>
+                <c:pt idx="126">
+                  <c:v>0.13999200000000001</c:v>
+                </c:pt>
+                <c:pt idx="127">
+                  <c:v>0.147151</c:v>
+                </c:pt>
+              </c:numCache>
+            </c:numRef>
+          </c:yVal>
+          <c:smooth val="1"/>
+          <c:extLst>
+            <c:ext xmlns:c16="http://schemas.microsoft.com/office/drawing/2014/chart" uri="{C3380CC4-5D6E-409C-BE32-E72D297353CC}">
+              <c16:uniqueId val="{00000000-D3F8-4803-BD34-D65DBA47479D}"/>
+            </c:ext>
+          </c:extLst>
+        </c:ser>
+        <c:dLbls>
+          <c:showLegendKey val="0"/>
+          <c:showVal val="0"/>
+          <c:showCatName val="0"/>
+          <c:showSerName val="0"/>
+          <c:showPercent val="0"/>
+          <c:showBubbleSize val="0"/>
+        </c:dLbls>
+        <c:axId val="524733904"/>
+        <c:axId val="524734384"/>
+      </c:scatterChart>
+      <c:scatterChart>
+        <c:scatterStyle val="lineMarker"/>
+        <c:varyColors val="0"/>
+        <c:ser>
+          <c:idx val="0"/>
+          <c:order val="1"/>
+          <c:tx>
+            <c:strRef>
+              <c:f>'deg 10'!$E$1</c:f>
+              <c:strCache>
+                <c:ptCount val="1"/>
+                <c:pt idx="0">
+                  <c:v>Pressure_Coefficient</c:v>
+                </c:pt>
+              </c:strCache>
+            </c:strRef>
+          </c:tx>
+          <c:spPr>
+            <a:ln w="38100">
+              <a:noFill/>
+            </a:ln>
+            <a:effectLst/>
+          </c:spPr>
+          <c:marker>
+            <c:symbol val="circle"/>
+            <c:size val="5"/>
+            <c:spPr>
+              <a:solidFill>
+                <a:srgbClr val="FF0000"/>
+              </a:solidFill>
+              <a:ln w="9525">
+                <a:noFill/>
+              </a:ln>
+              <a:effectLst/>
+            </c:spPr>
+          </c:marker>
+          <c:xVal>
+            <c:numRef>
+              <c:f>'deg 10'!$D$2:$D$129</c:f>
+              <c:numCache>
+                <c:formatCode>General</c:formatCode>
+                <c:ptCount val="128"/>
+                <c:pt idx="0">
+                  <c:v>0.94830000000000003</c:v>
+                </c:pt>
+                <c:pt idx="1">
+                  <c:v>0.9</c:v>
+                </c:pt>
+                <c:pt idx="2">
+                  <c:v>0.85029999999999994</c:v>
+                </c:pt>
+                <c:pt idx="3">
+                  <c:v>0.79979999999999996</c:v>
+                </c:pt>
+                <c:pt idx="4">
+                  <c:v>0.74970000000000003</c:v>
+                </c:pt>
+                <c:pt idx="5">
+                  <c:v>0.70030000000000003</c:v>
+                </c:pt>
+                <c:pt idx="6">
+                  <c:v>0.6502</c:v>
+                </c:pt>
+                <c:pt idx="7">
+                  <c:v>0.59970000000000001</c:v>
+                </c:pt>
+                <c:pt idx="8">
+                  <c:v>0.55059999999999998</c:v>
+                </c:pt>
+                <c:pt idx="9">
+                  <c:v>0.5</c:v>
+                </c:pt>
+                <c:pt idx="10">
+                  <c:v>0.45029999999999998</c:v>
+                </c:pt>
+                <c:pt idx="11">
+                  <c:v>0.4</c:v>
+                </c:pt>
+                <c:pt idx="12">
+                  <c:v>0.35070000000000001</c:v>
+                </c:pt>
+                <c:pt idx="13">
+                  <c:v>0.30020000000000002</c:v>
+                </c:pt>
+                <c:pt idx="14">
+                  <c:v>0.25009999999999999</c:v>
+                </c:pt>
+                <c:pt idx="15">
+                  <c:v>0.20039999999999999</c:v>
+                </c:pt>
+                <c:pt idx="16">
+                  <c:v>0.15040000000000001</c:v>
+                </c:pt>
+                <c:pt idx="17">
+                  <c:v>0.1</c:v>
+                </c:pt>
+                <c:pt idx="18">
+                  <c:v>7.5499999999999998E-2</c:v>
+                </c:pt>
+                <c:pt idx="19">
+                  <c:v>5.0999999999999997E-2</c:v>
+                </c:pt>
+                <c:pt idx="20">
+                  <c:v>2.5100000000000001E-2</c:v>
+                </c:pt>
+                <c:pt idx="21">
+                  <c:v>1.2200000000000001E-2</c:v>
+                </c:pt>
+                <c:pt idx="22">
+                  <c:v>0</c:v>
+                </c:pt>
+                <c:pt idx="23">
+                  <c:v>1.35E-2</c:v>
+                </c:pt>
+                <c:pt idx="24">
+                  <c:v>2.7099999999999999E-2</c:v>
+                </c:pt>
+                <c:pt idx="25">
+                  <c:v>5.1499999999999997E-2</c:v>
+                </c:pt>
+                <c:pt idx="26">
+                  <c:v>7.6300000000000007E-2</c:v>
+                </c:pt>
+                <c:pt idx="27">
+                  <c:v>0.1012</c:v>
+                </c:pt>
+                <c:pt idx="28">
+                  <c:v>0.15029999999999999</c:v>
+                </c:pt>
+                <c:pt idx="29">
+                  <c:v>0.19939999999999999</c:v>
+                </c:pt>
+                <c:pt idx="30">
+                  <c:v>0.25009999999999999</c:v>
+                </c:pt>
+                <c:pt idx="31">
+                  <c:v>0.2999</c:v>
+                </c:pt>
+                <c:pt idx="32">
+                  <c:v>0.34989999999999999</c:v>
+                </c:pt>
+                <c:pt idx="33">
+                  <c:v>0.39939999999999998</c:v>
+                </c:pt>
+                <c:pt idx="34">
+                  <c:v>0.4496</c:v>
+                </c:pt>
+                <c:pt idx="35">
+                  <c:v>0.49969999999999998</c:v>
+                </c:pt>
+                <c:pt idx="36">
+                  <c:v>0.54920000000000002</c:v>
+                </c:pt>
+                <c:pt idx="37">
+                  <c:v>0.59940000000000004</c:v>
+                </c:pt>
+                <c:pt idx="38">
+                  <c:v>0.64949999999999997</c:v>
+                </c:pt>
+                <c:pt idx="39">
+                  <c:v>0.6996</c:v>
+                </c:pt>
+                <c:pt idx="40">
+                  <c:v>0.74890000000000001</c:v>
+                </c:pt>
+                <c:pt idx="41">
+                  <c:v>0.80030000000000001</c:v>
+                </c:pt>
+                <c:pt idx="42">
+                  <c:v>0.85</c:v>
+                </c:pt>
+                <c:pt idx="43">
+                  <c:v>0.89929999999999999</c:v>
+                </c:pt>
+                <c:pt idx="44">
+                  <c:v>0.94889999999999997</c:v>
+                </c:pt>
+              </c:numCache>
+            </c:numRef>
+          </c:xVal>
+          <c:yVal>
+            <c:numRef>
+              <c:f>'deg 10'!$E$2:$E$129</c:f>
+              <c:numCache>
+                <c:formatCode>General</c:formatCode>
+                <c:ptCount val="128"/>
+                <c:pt idx="0">
+                  <c:v>0.1172</c:v>
+                </c:pt>
+                <c:pt idx="1">
+                  <c:v>7.8299999999999995E-2</c:v>
+                </c:pt>
+                <c:pt idx="2">
+                  <c:v>8.8800000000000004E-2</c:v>
+                </c:pt>
+                <c:pt idx="3">
+                  <c:v>9.11E-2</c:v>
+                </c:pt>
+                <c:pt idx="4">
+                  <c:v>7.9000000000000001E-2</c:v>
+                </c:pt>
+                <c:pt idx="5">
+                  <c:v>8.09E-2</c:v>
+                </c:pt>
+                <c:pt idx="6">
+                  <c:v>7.2599999999999998E-2</c:v>
+                </c:pt>
+                <c:pt idx="7">
+                  <c:v>8.8499999999999995E-2</c:v>
+                </c:pt>
+                <c:pt idx="8">
+                  <c:v>9.3200000000000005E-2</c:v>
+                </c:pt>
+                <c:pt idx="9">
+                  <c:v>0.1022</c:v>
+                </c:pt>
+                <c:pt idx="10">
+                  <c:v>0.1147</c:v>
+                </c:pt>
+                <c:pt idx="11">
+                  <c:v>0.1366</c:v>
+                </c:pt>
+                <c:pt idx="12">
+                  <c:v>0.15310000000000001</c:v>
+                </c:pt>
+                <c:pt idx="13">
+                  <c:v>0.18659999999999999</c:v>
+                </c:pt>
+                <c:pt idx="14">
+                  <c:v>0.22450000000000001</c:v>
+                </c:pt>
+                <c:pt idx="15">
+                  <c:v>0.28070000000000001</c:v>
+                </c:pt>
+                <c:pt idx="16">
+                  <c:v>0.37030000000000002</c:v>
+                </c:pt>
+                <c:pt idx="17">
+                  <c:v>0.51939999999999997</c:v>
+                </c:pt>
+                <c:pt idx="18">
+                  <c:v>0.62549999999999994</c:v>
+                </c:pt>
+                <c:pt idx="19">
+                  <c:v>0.77090000000000003</c:v>
+                </c:pt>
+                <c:pt idx="20">
+                  <c:v>0.9798</c:v>
+                </c:pt>
+                <c:pt idx="21">
+                  <c:v>1.0066999999999999</c:v>
+                </c:pt>
+                <c:pt idx="22">
+                  <c:v>-2.4197000000000002</c:v>
+                </c:pt>
+                <c:pt idx="23">
+                  <c:v>-3.6981000000000002</c:v>
+                </c:pt>
+                <c:pt idx="24">
+                  <c:v>-2.9842</c:v>
+                </c:pt>
+                <c:pt idx="25">
+                  <c:v>-2.2957000000000001</c:v>
+                </c:pt>
+                <c:pt idx="26">
+                  <c:v>-1.9649000000000001</c:v>
+                </c:pt>
+                <c:pt idx="27">
+                  <c:v>-1.7081</c:v>
+                </c:pt>
+                <c:pt idx="28">
+                  <c:v>-1.3615999999999999</c:v>
+                </c:pt>
+                <c:pt idx="29">
+                  <c:v>-1.1692</c:v>
+                </c:pt>
+                <c:pt idx="30">
+                  <c:v>-0.999</c:v>
+                </c:pt>
+                <c:pt idx="31">
+                  <c:v>-0.86909999999999998</c:v>
+                </c:pt>
+                <c:pt idx="32">
+                  <c:v>-0.75949999999999995</c:v>
+                </c:pt>
+                <c:pt idx="33">
+                  <c:v>-0.65910000000000002</c:v>
+                </c:pt>
+                <c:pt idx="34">
+                  <c:v>-0.58409999999999995</c:v>
+                </c:pt>
+                <c:pt idx="35">
+                  <c:v>-0.50319999999999998</c:v>
+                </c:pt>
+                <c:pt idx="36">
+                  <c:v>-0.42909999999999998</c:v>
+                </c:pt>
+                <c:pt idx="37">
+                  <c:v>-0.36459999999999998</c:v>
+                </c:pt>
+                <c:pt idx="38">
+                  <c:v>-0.30559999999999998</c:v>
+                </c:pt>
+                <c:pt idx="39">
+                  <c:v>-0.24299999999999999</c:v>
+                </c:pt>
+                <c:pt idx="40">
+                  <c:v>-0.18840000000000001</c:v>
+                </c:pt>
+                <c:pt idx="41">
+                  <c:v>-0.11890000000000001</c:v>
+                </c:pt>
+                <c:pt idx="42">
+                  <c:v>-5.5100000000000003E-2</c:v>
+                </c:pt>
+                <c:pt idx="43">
+                  <c:v>1.52E-2</c:v>
+                </c:pt>
+                <c:pt idx="44">
+                  <c:v>8.6999999999999994E-2</c:v>
+                </c:pt>
+              </c:numCache>
+            </c:numRef>
+          </c:yVal>
+          <c:smooth val="0"/>
+          <c:extLst>
+            <c:ext xmlns:c16="http://schemas.microsoft.com/office/drawing/2014/chart" uri="{C3380CC4-5D6E-409C-BE32-E72D297353CC}">
+              <c16:uniqueId val="{00000001-D3F8-4803-BD34-D65DBA47479D}"/>
+            </c:ext>
+          </c:extLst>
+        </c:ser>
+        <c:dLbls>
+          <c:showLegendKey val="0"/>
+          <c:showVal val="0"/>
+          <c:showCatName val="0"/>
+          <c:showSerName val="0"/>
+          <c:showPercent val="0"/>
+          <c:showBubbleSize val="0"/>
+        </c:dLbls>
+        <c:axId val="524733904"/>
+        <c:axId val="524734384"/>
+      </c:scatterChart>
+      <c:valAx>
+        <c:axId val="524733904"/>
+        <c:scaling>
+          <c:orientation val="minMax"/>
+        </c:scaling>
+        <c:delete val="0"/>
+        <c:axPos val="t"/>
+        <c:majorGridlines>
+          <c:spPr>
+            <a:ln w="9525" cap="flat" cmpd="sng" algn="ctr">
+              <a:solidFill>
+                <a:schemeClr val="tx1">
+                  <a:lumMod val="15000"/>
+                  <a:lumOff val="85000"/>
+                </a:schemeClr>
+              </a:solidFill>
+              <a:round/>
+            </a:ln>
+            <a:effectLst/>
+          </c:spPr>
+        </c:majorGridlines>
+        <c:numFmt formatCode="General" sourceLinked="1"/>
+        <c:majorTickMark val="none"/>
+        <c:minorTickMark val="none"/>
+        <c:tickLblPos val="high"/>
+        <c:spPr>
+          <a:noFill/>
+          <a:ln w="9525" cap="flat" cmpd="sng" algn="ctr">
+            <a:solidFill>
+              <a:schemeClr val="tx1">
+                <a:lumMod val="25000"/>
+                <a:lumOff val="75000"/>
+              </a:schemeClr>
+            </a:solidFill>
+            <a:round/>
+          </a:ln>
+          <a:effectLst/>
+        </c:spPr>
+        <c:txPr>
+          <a:bodyPr rot="-60000000" spcFirstLastPara="1" vertOverflow="ellipsis" vert="horz" wrap="square" anchor="ctr" anchorCtr="1"/>
+          <a:lstStyle/>
+          <a:p>
+            <a:pPr>
+              <a:defRPr sz="900" b="0" i="0" u="none" strike="noStrike" kern="1200" baseline="0">
+                <a:solidFill>
+                  <a:schemeClr val="tx1">
+                    <a:lumMod val="65000"/>
+                    <a:lumOff val="35000"/>
+                  </a:schemeClr>
+                </a:solidFill>
+                <a:latin typeface="+mn-lt"/>
+                <a:ea typeface="+mn-ea"/>
+                <a:cs typeface="+mn-cs"/>
+              </a:defRPr>
+            </a:pPr>
+            <a:endParaRPr lang="ko-KR"/>
+          </a:p>
+        </c:txPr>
+        <c:crossAx val="524734384"/>
+        <c:crosses val="autoZero"/>
+        <c:crossBetween val="midCat"/>
+      </c:valAx>
+      <c:valAx>
+        <c:axId val="524734384"/>
+        <c:scaling>
+          <c:orientation val="maxMin"/>
+        </c:scaling>
+        <c:delete val="0"/>
+        <c:axPos val="l"/>
+        <c:majorGridlines>
+          <c:spPr>
+            <a:ln w="9525" cap="flat" cmpd="sng" algn="ctr">
+              <a:solidFill>
+                <a:schemeClr val="tx1">
+                  <a:lumMod val="15000"/>
+                  <a:lumOff val="85000"/>
+                </a:schemeClr>
+              </a:solidFill>
+              <a:round/>
+            </a:ln>
+            <a:effectLst/>
+          </c:spPr>
+        </c:majorGridlines>
+        <c:numFmt formatCode="General" sourceLinked="1"/>
+        <c:majorTickMark val="none"/>
+        <c:minorTickMark val="none"/>
+        <c:tickLblPos val="nextTo"/>
+        <c:spPr>
+          <a:noFill/>
+          <a:ln w="9525" cap="flat" cmpd="sng" algn="ctr">
+            <a:solidFill>
+              <a:schemeClr val="tx1">
+                <a:lumMod val="25000"/>
+                <a:lumOff val="75000"/>
+              </a:schemeClr>
+            </a:solidFill>
+            <a:round/>
+          </a:ln>
+          <a:effectLst/>
+        </c:spPr>
+        <c:txPr>
+          <a:bodyPr rot="-60000000" spcFirstLastPara="1" vertOverflow="ellipsis" vert="horz" wrap="square" anchor="ctr" anchorCtr="1"/>
+          <a:lstStyle/>
+          <a:p>
+            <a:pPr>
+              <a:defRPr sz="900" b="0" i="0" u="none" strike="noStrike" kern="1200" baseline="0">
+                <a:solidFill>
+                  <a:schemeClr val="tx1">
+                    <a:lumMod val="65000"/>
+                    <a:lumOff val="35000"/>
+                  </a:schemeClr>
+                </a:solidFill>
+                <a:latin typeface="+mn-lt"/>
+                <a:ea typeface="+mn-ea"/>
+                <a:cs typeface="+mn-cs"/>
+              </a:defRPr>
+            </a:pPr>
+            <a:endParaRPr lang="ko-KR"/>
+          </a:p>
+        </c:txPr>
+        <c:crossAx val="524733904"/>
+        <c:crosses val="autoZero"/>
+        <c:crossBetween val="midCat"/>
+      </c:valAx>
+    </c:plotArea>
+    <c:plotVisOnly val="1"/>
+    <c:dispBlanksAs val="gap"/>
+    <c:showDLblsOverMax val="0"/>
+    <c:extLst/>
+  </c:chart>
+  <c:txPr>
+    <a:bodyPr/>
+    <a:lstStyle/>
+    <a:p>
+      <a:pPr>
+        <a:defRPr/>
+      </a:pPr>
+      <a:endParaRPr lang="ko-KR"/>
+    </a:p>
+  </c:txPr>
+  <c:externalData r:id="rId1">
+    <c:autoUpdate val="0"/>
+  </c:externalData>
+</c:chartSpace>
+</file>
+
+<file path=ppt/charts/chart13.xml><?xml version="1.0" encoding="utf-8"?>
+<c:chartSpace xmlns:c="http://schemas.openxmlformats.org/drawingml/2006/chart" xmlns:a="http://schemas.openxmlformats.org/drawingml/2006/main" xmlns:r="http://schemas.openxmlformats.org/officeDocument/2006/relationships" xmlns:c16r2="http://schemas.microsoft.com/office/drawing/2015/06/chart">
+  <c:date1904 val="0"/>
+  <c:lang val="ko-KR"/>
+  <c:roundedCorners val="0"/>
+  <mc:AlternateContent xmlns:mc="http://schemas.openxmlformats.org/markup-compatibility/2006">
+    <mc:Choice xmlns:c14="http://schemas.microsoft.com/office/drawing/2007/8/2/chart" Requires="c14">
+      <c14:style val="102"/>
+    </mc:Choice>
+    <mc:Fallback>
+      <c:style val="2"/>
+    </mc:Fallback>
+  </mc:AlternateContent>
+  <c:chart>
+    <c:title>
+      <c:tx>
+        <c:rich>
+          <a:bodyPr rot="0" spcFirstLastPara="1" vertOverflow="ellipsis" vert="horz" wrap="square" anchor="ctr" anchorCtr="1"/>
+          <a:lstStyle/>
+          <a:p>
+            <a:pPr>
+              <a:defRPr sz="1400" b="0" i="0" u="none" strike="noStrike" kern="1200" spc="0" baseline="0">
+                <a:solidFill>
+                  <a:schemeClr val="tx1">
+                    <a:lumMod val="65000"/>
+                    <a:lumOff val="35000"/>
+                  </a:schemeClr>
+                </a:solidFill>
+                <a:latin typeface="+mn-lt"/>
+                <a:ea typeface="+mn-ea"/>
+                <a:cs typeface="+mn-cs"/>
+              </a:defRPr>
+            </a:pPr>
+            <a:r>
+              <a:rPr lang="ko-KR" altLang="en-US"/>
+              <a:t>해석 값</a:t>
+            </a:r>
+            <a:endParaRPr lang="en-US" altLang="ko-KR"/>
+          </a:p>
+        </c:rich>
+      </c:tx>
+      <c:overlay val="0"/>
+      <c:spPr>
+        <a:noFill/>
+        <a:ln>
+          <a:noFill/>
+        </a:ln>
+        <a:effectLst/>
+      </c:spPr>
+      <c:txPr>
+        <a:bodyPr rot="0" spcFirstLastPara="1" vertOverflow="ellipsis" vert="horz" wrap="square" anchor="ctr" anchorCtr="1"/>
+        <a:lstStyle/>
+        <a:p>
+          <a:pPr>
+            <a:defRPr sz="1400" b="0" i="0" u="none" strike="noStrike" kern="1200" spc="0" baseline="0">
+              <a:solidFill>
+                <a:schemeClr val="tx1">
+                  <a:lumMod val="65000"/>
+                  <a:lumOff val="35000"/>
+                </a:schemeClr>
+              </a:solidFill>
+              <a:latin typeface="+mn-lt"/>
+              <a:ea typeface="+mn-ea"/>
+              <a:cs typeface="+mn-cs"/>
+            </a:defRPr>
+          </a:pPr>
+          <a:endParaRPr lang="en-US" altLang="ko-KR"/>
+        </a:p>
+      </c:txPr>
+    </c:title>
+    <c:autoTitleDeleted val="0"/>
+    <c:plotArea>
+      <c:layout/>
+      <c:scatterChart>
+        <c:scatterStyle val="smoothMarker"/>
+        <c:varyColors val="0"/>
+        <c:ser>
+          <c:idx val="0"/>
+          <c:order val="0"/>
+          <c:tx>
+            <c:strRef>
               <c:f>'15 deg'!$B$1</c:f>
               <c:strCache>
                 <c:ptCount val="1"/>
@@ -1605,7 +4636,7 @@
 </c:chartSpace>
 </file>
 
-<file path=ppt/charts/chart11.xml><?xml version="1.0" encoding="utf-8"?>
+<file path=ppt/charts/chart14.xml><?xml version="1.0" encoding="utf-8"?>
 <c:chartSpace xmlns:c="http://schemas.openxmlformats.org/drawingml/2006/chart" xmlns:a="http://schemas.openxmlformats.org/drawingml/2006/main" xmlns:r="http://schemas.openxmlformats.org/officeDocument/2006/relationships" xmlns:c16r2="http://schemas.microsoft.com/office/drawing/2015/06/chart">
   <c:date1904 val="0"/>
   <c:lang val="ko-KR"/>
@@ -2186,7 +5217,7 @@
 </c:chartSpace>
 </file>
 
-<file path=ppt/charts/chart12.xml><?xml version="1.0" encoding="utf-8"?>
+<file path=ppt/charts/chart15.xml><?xml version="1.0" encoding="utf-8"?>
 <c:chartSpace xmlns:c="http://schemas.openxmlformats.org/drawingml/2006/chart" xmlns:a="http://schemas.openxmlformats.org/drawingml/2006/main" xmlns:r="http://schemas.openxmlformats.org/officeDocument/2006/relationships" xmlns:c16r2="http://schemas.microsoft.com/office/drawing/2015/06/chart">
   <c:date1904 val="0"/>
   <c:lang val="ko-KR"/>
@@ -8610,6 +11641,86 @@
 </file>
 
 <file path=ppt/charts/colors10.xml><?xml version="1.0" encoding="utf-8"?>
+<cs:colorStyle xmlns:cs="http://schemas.microsoft.com/office/drawing/2012/chartStyle" xmlns:a="http://schemas.openxmlformats.org/drawingml/2006/main" meth="cycle" id="10">
+  <a:schemeClr val="accent1"/>
+  <a:schemeClr val="accent2"/>
+  <a:schemeClr val="accent3"/>
+  <a:schemeClr val="accent4"/>
+  <a:schemeClr val="accent5"/>
+  <a:schemeClr val="accent6"/>
+  <cs:variation/>
+  <cs:variation>
+    <a:lumMod val="60000"/>
+  </cs:variation>
+  <cs:variation>
+    <a:lumMod val="80000"/>
+    <a:lumOff val="20000"/>
+  </cs:variation>
+  <cs:variation>
+    <a:lumMod val="80000"/>
+  </cs:variation>
+  <cs:variation>
+    <a:lumMod val="60000"/>
+    <a:lumOff val="40000"/>
+  </cs:variation>
+  <cs:variation>
+    <a:lumMod val="50000"/>
+  </cs:variation>
+  <cs:variation>
+    <a:lumMod val="70000"/>
+    <a:lumOff val="30000"/>
+  </cs:variation>
+  <cs:variation>
+    <a:lumMod val="70000"/>
+  </cs:variation>
+  <cs:variation>
+    <a:lumMod val="50000"/>
+    <a:lumOff val="50000"/>
+  </cs:variation>
+</cs:colorStyle>
+</file>
+
+<file path=ppt/charts/colors11.xml><?xml version="1.0" encoding="utf-8"?>
+<cs:colorStyle xmlns:cs="http://schemas.microsoft.com/office/drawing/2012/chartStyle" xmlns:a="http://schemas.openxmlformats.org/drawingml/2006/main" meth="cycle" id="10">
+  <a:schemeClr val="accent1"/>
+  <a:schemeClr val="accent2"/>
+  <a:schemeClr val="accent3"/>
+  <a:schemeClr val="accent4"/>
+  <a:schemeClr val="accent5"/>
+  <a:schemeClr val="accent6"/>
+  <cs:variation/>
+  <cs:variation>
+    <a:lumMod val="60000"/>
+  </cs:variation>
+  <cs:variation>
+    <a:lumMod val="80000"/>
+    <a:lumOff val="20000"/>
+  </cs:variation>
+  <cs:variation>
+    <a:lumMod val="80000"/>
+  </cs:variation>
+  <cs:variation>
+    <a:lumMod val="60000"/>
+    <a:lumOff val="40000"/>
+  </cs:variation>
+  <cs:variation>
+    <a:lumMod val="50000"/>
+  </cs:variation>
+  <cs:variation>
+    <a:lumMod val="70000"/>
+    <a:lumOff val="30000"/>
+  </cs:variation>
+  <cs:variation>
+    <a:lumMod val="70000"/>
+  </cs:variation>
+  <cs:variation>
+    <a:lumMod val="50000"/>
+    <a:lumOff val="50000"/>
+  </cs:variation>
+</cs:colorStyle>
+</file>
+
+<file path=ppt/charts/colors12.xml><?xml version="1.0" encoding="utf-8"?>
 <cs:colorStyle xmlns:cs="http://schemas.microsoft.com/office/drawing/2012/chartStyle" xmlns:a="http://schemas.openxmlformats.org/drawingml/2006/main" meth="cycle" id="10">
   <a:schemeClr val="accent1"/>
   <a:schemeClr val="accent2"/>
@@ -9486,6 +12597,1038 @@
 </file>
 
 <file path=ppt/charts/style10.xml><?xml version="1.0" encoding="utf-8"?>
+<cs:chartStyle xmlns:cs="http://schemas.microsoft.com/office/drawing/2012/chartStyle" xmlns:a="http://schemas.openxmlformats.org/drawingml/2006/main" id="240">
+  <cs:axisTitle>
+    <cs:lnRef idx="0"/>
+    <cs:fillRef idx="0"/>
+    <cs:effectRef idx="0"/>
+    <cs:fontRef idx="minor">
+      <a:schemeClr val="tx1">
+        <a:lumMod val="65000"/>
+        <a:lumOff val="35000"/>
+      </a:schemeClr>
+    </cs:fontRef>
+    <cs:defRPr sz="1000" kern="1200"/>
+  </cs:axisTitle>
+  <cs:categoryAxis>
+    <cs:lnRef idx="0"/>
+    <cs:fillRef idx="0"/>
+    <cs:effectRef idx="0"/>
+    <cs:fontRef idx="minor">
+      <a:schemeClr val="tx1">
+        <a:lumMod val="65000"/>
+        <a:lumOff val="35000"/>
+      </a:schemeClr>
+    </cs:fontRef>
+    <cs:spPr>
+      <a:ln w="9525" cap="flat" cmpd="sng" algn="ctr">
+        <a:solidFill>
+          <a:schemeClr val="tx1">
+            <a:lumMod val="25000"/>
+            <a:lumOff val="75000"/>
+          </a:schemeClr>
+        </a:solidFill>
+        <a:round/>
+      </a:ln>
+    </cs:spPr>
+    <cs:defRPr sz="900" kern="1200"/>
+  </cs:categoryAxis>
+  <cs:chartArea mods="allowNoFillOverride allowNoLineOverride">
+    <cs:lnRef idx="0"/>
+    <cs:fillRef idx="0"/>
+    <cs:effectRef idx="0"/>
+    <cs:fontRef idx="minor">
+      <a:schemeClr val="tx1"/>
+    </cs:fontRef>
+    <cs:spPr>
+      <a:solidFill>
+        <a:schemeClr val="bg1"/>
+      </a:solidFill>
+      <a:ln w="9525" cap="flat" cmpd="sng" algn="ctr">
+        <a:solidFill>
+          <a:schemeClr val="tx1">
+            <a:lumMod val="15000"/>
+            <a:lumOff val="85000"/>
+          </a:schemeClr>
+        </a:solidFill>
+        <a:round/>
+      </a:ln>
+    </cs:spPr>
+    <cs:defRPr sz="1000" kern="1200"/>
+  </cs:chartArea>
+  <cs:dataLabel>
+    <cs:lnRef idx="0"/>
+    <cs:fillRef idx="0"/>
+    <cs:effectRef idx="0"/>
+    <cs:fontRef idx="minor">
+      <a:schemeClr val="tx1">
+        <a:lumMod val="75000"/>
+        <a:lumOff val="25000"/>
+      </a:schemeClr>
+    </cs:fontRef>
+    <cs:defRPr sz="900" kern="1200"/>
+  </cs:dataLabel>
+  <cs:dataLabelCallout>
+    <cs:lnRef idx="0"/>
+    <cs:fillRef idx="0"/>
+    <cs:effectRef idx="0"/>
+    <cs:fontRef idx="minor">
+      <a:schemeClr val="dk1">
+        <a:lumMod val="65000"/>
+        <a:lumOff val="35000"/>
+      </a:schemeClr>
+    </cs:fontRef>
+    <cs:spPr>
+      <a:solidFill>
+        <a:schemeClr val="lt1"/>
+      </a:solidFill>
+      <a:ln>
+        <a:solidFill>
+          <a:schemeClr val="dk1">
+            <a:lumMod val="25000"/>
+            <a:lumOff val="75000"/>
+          </a:schemeClr>
+        </a:solidFill>
+      </a:ln>
+    </cs:spPr>
+    <cs:defRPr sz="900" kern="1200"/>
+    <cs:bodyPr rot="0" spcFirstLastPara="1" vertOverflow="clip" horzOverflow="clip" vert="horz" wrap="square" lIns="36576" tIns="18288" rIns="36576" bIns="18288" anchor="ctr" anchorCtr="1">
+      <a:spAutoFit/>
+    </cs:bodyPr>
+  </cs:dataLabelCallout>
+  <cs:dataPoint>
+    <cs:lnRef idx="0"/>
+    <cs:fillRef idx="1">
+      <cs:styleClr val="auto"/>
+    </cs:fillRef>
+    <cs:effectRef idx="0"/>
+    <cs:fontRef idx="minor">
+      <a:schemeClr val="tx1"/>
+    </cs:fontRef>
+  </cs:dataPoint>
+  <cs:dataPoint3D>
+    <cs:lnRef idx="0"/>
+    <cs:fillRef idx="1">
+      <cs:styleClr val="auto"/>
+    </cs:fillRef>
+    <cs:effectRef idx="0"/>
+    <cs:fontRef idx="minor">
+      <a:schemeClr val="tx1"/>
+    </cs:fontRef>
+  </cs:dataPoint3D>
+  <cs:dataPointLine>
+    <cs:lnRef idx="0">
+      <cs:styleClr val="auto"/>
+    </cs:lnRef>
+    <cs:fillRef idx="1"/>
+    <cs:effectRef idx="0"/>
+    <cs:fontRef idx="minor">
+      <a:schemeClr val="tx1"/>
+    </cs:fontRef>
+    <cs:spPr>
+      <a:ln w="19050" cap="rnd">
+        <a:solidFill>
+          <a:schemeClr val="phClr"/>
+        </a:solidFill>
+        <a:round/>
+      </a:ln>
+    </cs:spPr>
+  </cs:dataPointLine>
+  <cs:dataPointMarker>
+    <cs:lnRef idx="0">
+      <cs:styleClr val="auto"/>
+    </cs:lnRef>
+    <cs:fillRef idx="1">
+      <cs:styleClr val="auto"/>
+    </cs:fillRef>
+    <cs:effectRef idx="0"/>
+    <cs:fontRef idx="minor">
+      <a:schemeClr val="tx1"/>
+    </cs:fontRef>
+    <cs:spPr>
+      <a:ln w="9525">
+        <a:solidFill>
+          <a:schemeClr val="phClr"/>
+        </a:solidFill>
+      </a:ln>
+    </cs:spPr>
+  </cs:dataPointMarker>
+  <cs:dataPointMarkerLayout symbol="circle" size="5"/>
+  <cs:dataPointWireframe>
+    <cs:lnRef idx="0">
+      <cs:styleClr val="auto"/>
+    </cs:lnRef>
+    <cs:fillRef idx="0"/>
+    <cs:effectRef idx="0"/>
+    <cs:fontRef idx="minor">
+      <a:schemeClr val="dk1"/>
+    </cs:fontRef>
+    <cs:spPr>
+      <a:ln w="9525" cap="rnd">
+        <a:solidFill>
+          <a:schemeClr val="phClr"/>
+        </a:solidFill>
+        <a:round/>
+      </a:ln>
+    </cs:spPr>
+  </cs:dataPointWireframe>
+  <cs:dataTable>
+    <cs:lnRef idx="0"/>
+    <cs:fillRef idx="0"/>
+    <cs:effectRef idx="0"/>
+    <cs:fontRef idx="minor">
+      <a:schemeClr val="tx1">
+        <a:lumMod val="65000"/>
+        <a:lumOff val="35000"/>
+      </a:schemeClr>
+    </cs:fontRef>
+    <cs:spPr>
+      <a:noFill/>
+      <a:ln w="9525" cap="flat" cmpd="sng" algn="ctr">
+        <a:solidFill>
+          <a:schemeClr val="tx1">
+            <a:lumMod val="15000"/>
+            <a:lumOff val="85000"/>
+          </a:schemeClr>
+        </a:solidFill>
+        <a:round/>
+      </a:ln>
+    </cs:spPr>
+    <cs:defRPr sz="900" kern="1200"/>
+  </cs:dataTable>
+  <cs:downBar>
+    <cs:lnRef idx="0"/>
+    <cs:fillRef idx="0"/>
+    <cs:effectRef idx="0"/>
+    <cs:fontRef idx="minor">
+      <a:schemeClr val="tx1"/>
+    </cs:fontRef>
+    <cs:spPr>
+      <a:solidFill>
+        <a:schemeClr val="dk1">
+          <a:lumMod val="75000"/>
+          <a:lumOff val="25000"/>
+        </a:schemeClr>
+      </a:solidFill>
+      <a:ln w="9525" cap="flat" cmpd="sng" algn="ctr">
+        <a:solidFill>
+          <a:schemeClr val="tx1">
+            <a:lumMod val="65000"/>
+            <a:lumOff val="35000"/>
+          </a:schemeClr>
+        </a:solidFill>
+        <a:round/>
+      </a:ln>
+    </cs:spPr>
+  </cs:downBar>
+  <cs:dropLine>
+    <cs:lnRef idx="0"/>
+    <cs:fillRef idx="0"/>
+    <cs:effectRef idx="0"/>
+    <cs:fontRef idx="minor">
+      <a:schemeClr val="tx1"/>
+    </cs:fontRef>
+    <cs:spPr>
+      <a:ln w="9525" cap="flat" cmpd="sng" algn="ctr">
+        <a:solidFill>
+          <a:schemeClr val="tx1">
+            <a:lumMod val="35000"/>
+            <a:lumOff val="65000"/>
+          </a:schemeClr>
+        </a:solidFill>
+        <a:round/>
+      </a:ln>
+    </cs:spPr>
+  </cs:dropLine>
+  <cs:errorBar>
+    <cs:lnRef idx="0"/>
+    <cs:fillRef idx="0"/>
+    <cs:effectRef idx="0"/>
+    <cs:fontRef idx="minor">
+      <a:schemeClr val="tx1"/>
+    </cs:fontRef>
+    <cs:spPr>
+      <a:ln w="9525" cap="flat" cmpd="sng" algn="ctr">
+        <a:solidFill>
+          <a:schemeClr val="tx1">
+            <a:lumMod val="65000"/>
+            <a:lumOff val="35000"/>
+          </a:schemeClr>
+        </a:solidFill>
+        <a:round/>
+      </a:ln>
+    </cs:spPr>
+  </cs:errorBar>
+  <cs:floor>
+    <cs:lnRef idx="0"/>
+    <cs:fillRef idx="0"/>
+    <cs:effectRef idx="0"/>
+    <cs:fontRef idx="minor">
+      <a:schemeClr val="tx1"/>
+    </cs:fontRef>
+    <cs:spPr>
+      <a:noFill/>
+      <a:ln>
+        <a:noFill/>
+      </a:ln>
+    </cs:spPr>
+  </cs:floor>
+  <cs:gridlineMajor>
+    <cs:lnRef idx="0"/>
+    <cs:fillRef idx="0"/>
+    <cs:effectRef idx="0"/>
+    <cs:fontRef idx="minor">
+      <a:schemeClr val="tx1"/>
+    </cs:fontRef>
+    <cs:spPr>
+      <a:ln w="9525" cap="flat" cmpd="sng" algn="ctr">
+        <a:solidFill>
+          <a:schemeClr val="tx1">
+            <a:lumMod val="15000"/>
+            <a:lumOff val="85000"/>
+          </a:schemeClr>
+        </a:solidFill>
+        <a:round/>
+      </a:ln>
+    </cs:spPr>
+  </cs:gridlineMajor>
+  <cs:gridlineMinor>
+    <cs:lnRef idx="0"/>
+    <cs:fillRef idx="0"/>
+    <cs:effectRef idx="0"/>
+    <cs:fontRef idx="minor">
+      <a:schemeClr val="tx1"/>
+    </cs:fontRef>
+    <cs:spPr>
+      <a:ln w="9525" cap="flat" cmpd="sng" algn="ctr">
+        <a:solidFill>
+          <a:schemeClr val="tx1">
+            <a:lumMod val="5000"/>
+            <a:lumOff val="95000"/>
+          </a:schemeClr>
+        </a:solidFill>
+        <a:round/>
+      </a:ln>
+    </cs:spPr>
+  </cs:gridlineMinor>
+  <cs:hiLoLine>
+    <cs:lnRef idx="0"/>
+    <cs:fillRef idx="0"/>
+    <cs:effectRef idx="0"/>
+    <cs:fontRef idx="minor">
+      <a:schemeClr val="tx1"/>
+    </cs:fontRef>
+    <cs:spPr>
+      <a:ln w="9525" cap="flat" cmpd="sng" algn="ctr">
+        <a:solidFill>
+          <a:schemeClr val="tx1">
+            <a:lumMod val="50000"/>
+            <a:lumOff val="50000"/>
+          </a:schemeClr>
+        </a:solidFill>
+        <a:round/>
+      </a:ln>
+    </cs:spPr>
+  </cs:hiLoLine>
+  <cs:leaderLine>
+    <cs:lnRef idx="0"/>
+    <cs:fillRef idx="0"/>
+    <cs:effectRef idx="0"/>
+    <cs:fontRef idx="minor">
+      <a:schemeClr val="tx1"/>
+    </cs:fontRef>
+    <cs:spPr>
+      <a:ln w="9525" cap="flat" cmpd="sng" algn="ctr">
+        <a:solidFill>
+          <a:schemeClr val="tx1">
+            <a:lumMod val="35000"/>
+            <a:lumOff val="65000"/>
+          </a:schemeClr>
+        </a:solidFill>
+        <a:round/>
+      </a:ln>
+    </cs:spPr>
+  </cs:leaderLine>
+  <cs:legend>
+    <cs:lnRef idx="0"/>
+    <cs:fillRef idx="0"/>
+    <cs:effectRef idx="0"/>
+    <cs:fontRef idx="minor">
+      <a:schemeClr val="tx1">
+        <a:lumMod val="65000"/>
+        <a:lumOff val="35000"/>
+      </a:schemeClr>
+    </cs:fontRef>
+    <cs:defRPr sz="900" kern="1200"/>
+  </cs:legend>
+  <cs:plotArea mods="allowNoFillOverride allowNoLineOverride">
+    <cs:lnRef idx="0"/>
+    <cs:fillRef idx="0"/>
+    <cs:effectRef idx="0"/>
+    <cs:fontRef idx="minor">
+      <a:schemeClr val="tx1"/>
+    </cs:fontRef>
+  </cs:plotArea>
+  <cs:plotArea3D mods="allowNoFillOverride allowNoLineOverride">
+    <cs:lnRef idx="0"/>
+    <cs:fillRef idx="0"/>
+    <cs:effectRef idx="0"/>
+    <cs:fontRef idx="minor">
+      <a:schemeClr val="tx1"/>
+    </cs:fontRef>
+  </cs:plotArea3D>
+  <cs:seriesAxis>
+    <cs:lnRef idx="0"/>
+    <cs:fillRef idx="0"/>
+    <cs:effectRef idx="0"/>
+    <cs:fontRef idx="minor">
+      <a:schemeClr val="tx1">
+        <a:lumMod val="65000"/>
+        <a:lumOff val="35000"/>
+      </a:schemeClr>
+    </cs:fontRef>
+    <cs:defRPr sz="900" kern="1200"/>
+  </cs:seriesAxis>
+  <cs:seriesLine>
+    <cs:lnRef idx="0"/>
+    <cs:fillRef idx="0"/>
+    <cs:effectRef idx="0"/>
+    <cs:fontRef idx="minor">
+      <a:schemeClr val="tx1"/>
+    </cs:fontRef>
+    <cs:spPr>
+      <a:ln w="9525" cap="flat" cmpd="sng" algn="ctr">
+        <a:solidFill>
+          <a:schemeClr val="tx1">
+            <a:lumMod val="35000"/>
+            <a:lumOff val="65000"/>
+          </a:schemeClr>
+        </a:solidFill>
+        <a:round/>
+      </a:ln>
+    </cs:spPr>
+  </cs:seriesLine>
+  <cs:title>
+    <cs:lnRef idx="0"/>
+    <cs:fillRef idx="0"/>
+    <cs:effectRef idx="0"/>
+    <cs:fontRef idx="minor">
+      <a:schemeClr val="tx1">
+        <a:lumMod val="65000"/>
+        <a:lumOff val="35000"/>
+      </a:schemeClr>
+    </cs:fontRef>
+    <cs:defRPr sz="1400" b="0" kern="1200" spc="0" baseline="0"/>
+  </cs:title>
+  <cs:trendline>
+    <cs:lnRef idx="0">
+      <cs:styleClr val="auto"/>
+    </cs:lnRef>
+    <cs:fillRef idx="0"/>
+    <cs:effectRef idx="0"/>
+    <cs:fontRef idx="minor">
+      <a:schemeClr val="tx1"/>
+    </cs:fontRef>
+    <cs:spPr>
+      <a:ln w="19050" cap="rnd">
+        <a:solidFill>
+          <a:schemeClr val="phClr"/>
+        </a:solidFill>
+        <a:prstDash val="sysDot"/>
+      </a:ln>
+    </cs:spPr>
+  </cs:trendline>
+  <cs:trendlineLabel>
+    <cs:lnRef idx="0"/>
+    <cs:fillRef idx="0"/>
+    <cs:effectRef idx="0"/>
+    <cs:fontRef idx="minor">
+      <a:schemeClr val="tx1">
+        <a:lumMod val="65000"/>
+        <a:lumOff val="35000"/>
+      </a:schemeClr>
+    </cs:fontRef>
+    <cs:defRPr sz="900" kern="1200"/>
+  </cs:trendlineLabel>
+  <cs:upBar>
+    <cs:lnRef idx="0"/>
+    <cs:fillRef idx="0"/>
+    <cs:effectRef idx="0"/>
+    <cs:fontRef idx="minor">
+      <a:schemeClr val="tx1"/>
+    </cs:fontRef>
+    <cs:spPr>
+      <a:solidFill>
+        <a:schemeClr val="lt1"/>
+      </a:solidFill>
+      <a:ln w="9525" cap="flat" cmpd="sng" algn="ctr">
+        <a:solidFill>
+          <a:schemeClr val="tx1">
+            <a:lumMod val="65000"/>
+            <a:lumOff val="35000"/>
+          </a:schemeClr>
+        </a:solidFill>
+        <a:round/>
+      </a:ln>
+    </cs:spPr>
+  </cs:upBar>
+  <cs:valueAxis>
+    <cs:lnRef idx="0"/>
+    <cs:fillRef idx="0"/>
+    <cs:effectRef idx="0"/>
+    <cs:fontRef idx="minor">
+      <a:schemeClr val="tx1">
+        <a:lumMod val="65000"/>
+        <a:lumOff val="35000"/>
+      </a:schemeClr>
+    </cs:fontRef>
+    <cs:spPr>
+      <a:ln w="9525" cap="flat" cmpd="sng" algn="ctr">
+        <a:solidFill>
+          <a:schemeClr val="tx1">
+            <a:lumMod val="25000"/>
+            <a:lumOff val="75000"/>
+          </a:schemeClr>
+        </a:solidFill>
+        <a:round/>
+      </a:ln>
+    </cs:spPr>
+    <cs:defRPr sz="900" kern="1200"/>
+  </cs:valueAxis>
+  <cs:wall>
+    <cs:lnRef idx="0"/>
+    <cs:fillRef idx="0"/>
+    <cs:effectRef idx="0"/>
+    <cs:fontRef idx="minor">
+      <a:schemeClr val="tx1"/>
+    </cs:fontRef>
+    <cs:spPr>
+      <a:noFill/>
+      <a:ln>
+        <a:noFill/>
+      </a:ln>
+    </cs:spPr>
+  </cs:wall>
+</cs:chartStyle>
+</file>
+
+<file path=ppt/charts/style11.xml><?xml version="1.0" encoding="utf-8"?>
+<cs:chartStyle xmlns:cs="http://schemas.microsoft.com/office/drawing/2012/chartStyle" xmlns:a="http://schemas.openxmlformats.org/drawingml/2006/main" id="240">
+  <cs:axisTitle>
+    <cs:lnRef idx="0"/>
+    <cs:fillRef idx="0"/>
+    <cs:effectRef idx="0"/>
+    <cs:fontRef idx="minor">
+      <a:schemeClr val="tx1">
+        <a:lumMod val="65000"/>
+        <a:lumOff val="35000"/>
+      </a:schemeClr>
+    </cs:fontRef>
+    <cs:defRPr sz="1000" kern="1200"/>
+  </cs:axisTitle>
+  <cs:categoryAxis>
+    <cs:lnRef idx="0"/>
+    <cs:fillRef idx="0"/>
+    <cs:effectRef idx="0"/>
+    <cs:fontRef idx="minor">
+      <a:schemeClr val="tx1">
+        <a:lumMod val="65000"/>
+        <a:lumOff val="35000"/>
+      </a:schemeClr>
+    </cs:fontRef>
+    <cs:spPr>
+      <a:ln w="9525" cap="flat" cmpd="sng" algn="ctr">
+        <a:solidFill>
+          <a:schemeClr val="tx1">
+            <a:lumMod val="25000"/>
+            <a:lumOff val="75000"/>
+          </a:schemeClr>
+        </a:solidFill>
+        <a:round/>
+      </a:ln>
+    </cs:spPr>
+    <cs:defRPr sz="900" kern="1200"/>
+  </cs:categoryAxis>
+  <cs:chartArea mods="allowNoFillOverride allowNoLineOverride">
+    <cs:lnRef idx="0"/>
+    <cs:fillRef idx="0"/>
+    <cs:effectRef idx="0"/>
+    <cs:fontRef idx="minor">
+      <a:schemeClr val="tx1"/>
+    </cs:fontRef>
+    <cs:spPr>
+      <a:solidFill>
+        <a:schemeClr val="bg1"/>
+      </a:solidFill>
+      <a:ln w="9525" cap="flat" cmpd="sng" algn="ctr">
+        <a:solidFill>
+          <a:schemeClr val="tx1">
+            <a:lumMod val="15000"/>
+            <a:lumOff val="85000"/>
+          </a:schemeClr>
+        </a:solidFill>
+        <a:round/>
+      </a:ln>
+    </cs:spPr>
+    <cs:defRPr sz="1000" kern="1200"/>
+  </cs:chartArea>
+  <cs:dataLabel>
+    <cs:lnRef idx="0"/>
+    <cs:fillRef idx="0"/>
+    <cs:effectRef idx="0"/>
+    <cs:fontRef idx="minor">
+      <a:schemeClr val="tx1">
+        <a:lumMod val="75000"/>
+        <a:lumOff val="25000"/>
+      </a:schemeClr>
+    </cs:fontRef>
+    <cs:defRPr sz="900" kern="1200"/>
+  </cs:dataLabel>
+  <cs:dataLabelCallout>
+    <cs:lnRef idx="0"/>
+    <cs:fillRef idx="0"/>
+    <cs:effectRef idx="0"/>
+    <cs:fontRef idx="minor">
+      <a:schemeClr val="dk1">
+        <a:lumMod val="65000"/>
+        <a:lumOff val="35000"/>
+      </a:schemeClr>
+    </cs:fontRef>
+    <cs:spPr>
+      <a:solidFill>
+        <a:schemeClr val="lt1"/>
+      </a:solidFill>
+      <a:ln>
+        <a:solidFill>
+          <a:schemeClr val="dk1">
+            <a:lumMod val="25000"/>
+            <a:lumOff val="75000"/>
+          </a:schemeClr>
+        </a:solidFill>
+      </a:ln>
+    </cs:spPr>
+    <cs:defRPr sz="900" kern="1200"/>
+    <cs:bodyPr rot="0" spcFirstLastPara="1" vertOverflow="clip" horzOverflow="clip" vert="horz" wrap="square" lIns="36576" tIns="18288" rIns="36576" bIns="18288" anchor="ctr" anchorCtr="1">
+      <a:spAutoFit/>
+    </cs:bodyPr>
+  </cs:dataLabelCallout>
+  <cs:dataPoint>
+    <cs:lnRef idx="0"/>
+    <cs:fillRef idx="1">
+      <cs:styleClr val="auto"/>
+    </cs:fillRef>
+    <cs:effectRef idx="0"/>
+    <cs:fontRef idx="minor">
+      <a:schemeClr val="tx1"/>
+    </cs:fontRef>
+  </cs:dataPoint>
+  <cs:dataPoint3D>
+    <cs:lnRef idx="0"/>
+    <cs:fillRef idx="1">
+      <cs:styleClr val="auto"/>
+    </cs:fillRef>
+    <cs:effectRef idx="0"/>
+    <cs:fontRef idx="minor">
+      <a:schemeClr val="tx1"/>
+    </cs:fontRef>
+  </cs:dataPoint3D>
+  <cs:dataPointLine>
+    <cs:lnRef idx="0">
+      <cs:styleClr val="auto"/>
+    </cs:lnRef>
+    <cs:fillRef idx="1"/>
+    <cs:effectRef idx="0"/>
+    <cs:fontRef idx="minor">
+      <a:schemeClr val="tx1"/>
+    </cs:fontRef>
+    <cs:spPr>
+      <a:ln w="19050" cap="rnd">
+        <a:solidFill>
+          <a:schemeClr val="phClr"/>
+        </a:solidFill>
+        <a:round/>
+      </a:ln>
+    </cs:spPr>
+  </cs:dataPointLine>
+  <cs:dataPointMarker>
+    <cs:lnRef idx="0">
+      <cs:styleClr val="auto"/>
+    </cs:lnRef>
+    <cs:fillRef idx="1">
+      <cs:styleClr val="auto"/>
+    </cs:fillRef>
+    <cs:effectRef idx="0"/>
+    <cs:fontRef idx="minor">
+      <a:schemeClr val="tx1"/>
+    </cs:fontRef>
+    <cs:spPr>
+      <a:ln w="9525">
+        <a:solidFill>
+          <a:schemeClr val="phClr"/>
+        </a:solidFill>
+      </a:ln>
+    </cs:spPr>
+  </cs:dataPointMarker>
+  <cs:dataPointMarkerLayout symbol="circle" size="5"/>
+  <cs:dataPointWireframe>
+    <cs:lnRef idx="0">
+      <cs:styleClr val="auto"/>
+    </cs:lnRef>
+    <cs:fillRef idx="0"/>
+    <cs:effectRef idx="0"/>
+    <cs:fontRef idx="minor">
+      <a:schemeClr val="dk1"/>
+    </cs:fontRef>
+    <cs:spPr>
+      <a:ln w="9525" cap="rnd">
+        <a:solidFill>
+          <a:schemeClr val="phClr"/>
+        </a:solidFill>
+        <a:round/>
+      </a:ln>
+    </cs:spPr>
+  </cs:dataPointWireframe>
+  <cs:dataTable>
+    <cs:lnRef idx="0"/>
+    <cs:fillRef idx="0"/>
+    <cs:effectRef idx="0"/>
+    <cs:fontRef idx="minor">
+      <a:schemeClr val="tx1">
+        <a:lumMod val="65000"/>
+        <a:lumOff val="35000"/>
+      </a:schemeClr>
+    </cs:fontRef>
+    <cs:spPr>
+      <a:noFill/>
+      <a:ln w="9525" cap="flat" cmpd="sng" algn="ctr">
+        <a:solidFill>
+          <a:schemeClr val="tx1">
+            <a:lumMod val="15000"/>
+            <a:lumOff val="85000"/>
+          </a:schemeClr>
+        </a:solidFill>
+        <a:round/>
+      </a:ln>
+    </cs:spPr>
+    <cs:defRPr sz="900" kern="1200"/>
+  </cs:dataTable>
+  <cs:downBar>
+    <cs:lnRef idx="0"/>
+    <cs:fillRef idx="0"/>
+    <cs:effectRef idx="0"/>
+    <cs:fontRef idx="minor">
+      <a:schemeClr val="tx1"/>
+    </cs:fontRef>
+    <cs:spPr>
+      <a:solidFill>
+        <a:schemeClr val="dk1">
+          <a:lumMod val="75000"/>
+          <a:lumOff val="25000"/>
+        </a:schemeClr>
+      </a:solidFill>
+      <a:ln w="9525" cap="flat" cmpd="sng" algn="ctr">
+        <a:solidFill>
+          <a:schemeClr val="tx1">
+            <a:lumMod val="65000"/>
+            <a:lumOff val="35000"/>
+          </a:schemeClr>
+        </a:solidFill>
+        <a:round/>
+      </a:ln>
+    </cs:spPr>
+  </cs:downBar>
+  <cs:dropLine>
+    <cs:lnRef idx="0"/>
+    <cs:fillRef idx="0"/>
+    <cs:effectRef idx="0"/>
+    <cs:fontRef idx="minor">
+      <a:schemeClr val="tx1"/>
+    </cs:fontRef>
+    <cs:spPr>
+      <a:ln w="9525" cap="flat" cmpd="sng" algn="ctr">
+        <a:solidFill>
+          <a:schemeClr val="tx1">
+            <a:lumMod val="35000"/>
+            <a:lumOff val="65000"/>
+          </a:schemeClr>
+        </a:solidFill>
+        <a:round/>
+      </a:ln>
+    </cs:spPr>
+  </cs:dropLine>
+  <cs:errorBar>
+    <cs:lnRef idx="0"/>
+    <cs:fillRef idx="0"/>
+    <cs:effectRef idx="0"/>
+    <cs:fontRef idx="minor">
+      <a:schemeClr val="tx1"/>
+    </cs:fontRef>
+    <cs:spPr>
+      <a:ln w="9525" cap="flat" cmpd="sng" algn="ctr">
+        <a:solidFill>
+          <a:schemeClr val="tx1">
+            <a:lumMod val="65000"/>
+            <a:lumOff val="35000"/>
+          </a:schemeClr>
+        </a:solidFill>
+        <a:round/>
+      </a:ln>
+    </cs:spPr>
+  </cs:errorBar>
+  <cs:floor>
+    <cs:lnRef idx="0"/>
+    <cs:fillRef idx="0"/>
+    <cs:effectRef idx="0"/>
+    <cs:fontRef idx="minor">
+      <a:schemeClr val="tx1"/>
+    </cs:fontRef>
+    <cs:spPr>
+      <a:noFill/>
+      <a:ln>
+        <a:noFill/>
+      </a:ln>
+    </cs:spPr>
+  </cs:floor>
+  <cs:gridlineMajor>
+    <cs:lnRef idx="0"/>
+    <cs:fillRef idx="0"/>
+    <cs:effectRef idx="0"/>
+    <cs:fontRef idx="minor">
+      <a:schemeClr val="tx1"/>
+    </cs:fontRef>
+    <cs:spPr>
+      <a:ln w="9525" cap="flat" cmpd="sng" algn="ctr">
+        <a:solidFill>
+          <a:schemeClr val="tx1">
+            <a:lumMod val="15000"/>
+            <a:lumOff val="85000"/>
+          </a:schemeClr>
+        </a:solidFill>
+        <a:round/>
+      </a:ln>
+    </cs:spPr>
+  </cs:gridlineMajor>
+  <cs:gridlineMinor>
+    <cs:lnRef idx="0"/>
+    <cs:fillRef idx="0"/>
+    <cs:effectRef idx="0"/>
+    <cs:fontRef idx="minor">
+      <a:schemeClr val="tx1"/>
+    </cs:fontRef>
+    <cs:spPr>
+      <a:ln w="9525" cap="flat" cmpd="sng" algn="ctr">
+        <a:solidFill>
+          <a:schemeClr val="tx1">
+            <a:lumMod val="5000"/>
+            <a:lumOff val="95000"/>
+          </a:schemeClr>
+        </a:solidFill>
+        <a:round/>
+      </a:ln>
+    </cs:spPr>
+  </cs:gridlineMinor>
+  <cs:hiLoLine>
+    <cs:lnRef idx="0"/>
+    <cs:fillRef idx="0"/>
+    <cs:effectRef idx="0"/>
+    <cs:fontRef idx="minor">
+      <a:schemeClr val="tx1"/>
+    </cs:fontRef>
+    <cs:spPr>
+      <a:ln w="9525" cap="flat" cmpd="sng" algn="ctr">
+        <a:solidFill>
+          <a:schemeClr val="tx1">
+            <a:lumMod val="50000"/>
+            <a:lumOff val="50000"/>
+          </a:schemeClr>
+        </a:solidFill>
+        <a:round/>
+      </a:ln>
+    </cs:spPr>
+  </cs:hiLoLine>
+  <cs:leaderLine>
+    <cs:lnRef idx="0"/>
+    <cs:fillRef idx="0"/>
+    <cs:effectRef idx="0"/>
+    <cs:fontRef idx="minor">
+      <a:schemeClr val="tx1"/>
+    </cs:fontRef>
+    <cs:spPr>
+      <a:ln w="9525" cap="flat" cmpd="sng" algn="ctr">
+        <a:solidFill>
+          <a:schemeClr val="tx1">
+            <a:lumMod val="35000"/>
+            <a:lumOff val="65000"/>
+          </a:schemeClr>
+        </a:solidFill>
+        <a:round/>
+      </a:ln>
+    </cs:spPr>
+  </cs:leaderLine>
+  <cs:legend>
+    <cs:lnRef idx="0"/>
+    <cs:fillRef idx="0"/>
+    <cs:effectRef idx="0"/>
+    <cs:fontRef idx="minor">
+      <a:schemeClr val="tx1">
+        <a:lumMod val="65000"/>
+        <a:lumOff val="35000"/>
+      </a:schemeClr>
+    </cs:fontRef>
+    <cs:defRPr sz="900" kern="1200"/>
+  </cs:legend>
+  <cs:plotArea mods="allowNoFillOverride allowNoLineOverride">
+    <cs:lnRef idx="0"/>
+    <cs:fillRef idx="0"/>
+    <cs:effectRef idx="0"/>
+    <cs:fontRef idx="minor">
+      <a:schemeClr val="tx1"/>
+    </cs:fontRef>
+  </cs:plotArea>
+  <cs:plotArea3D mods="allowNoFillOverride allowNoLineOverride">
+    <cs:lnRef idx="0"/>
+    <cs:fillRef idx="0"/>
+    <cs:effectRef idx="0"/>
+    <cs:fontRef idx="minor">
+      <a:schemeClr val="tx1"/>
+    </cs:fontRef>
+  </cs:plotArea3D>
+  <cs:seriesAxis>
+    <cs:lnRef idx="0"/>
+    <cs:fillRef idx="0"/>
+    <cs:effectRef idx="0"/>
+    <cs:fontRef idx="minor">
+      <a:schemeClr val="tx1">
+        <a:lumMod val="65000"/>
+        <a:lumOff val="35000"/>
+      </a:schemeClr>
+    </cs:fontRef>
+    <cs:defRPr sz="900" kern="1200"/>
+  </cs:seriesAxis>
+  <cs:seriesLine>
+    <cs:lnRef idx="0"/>
+    <cs:fillRef idx="0"/>
+    <cs:effectRef idx="0"/>
+    <cs:fontRef idx="minor">
+      <a:schemeClr val="tx1"/>
+    </cs:fontRef>
+    <cs:spPr>
+      <a:ln w="9525" cap="flat" cmpd="sng" algn="ctr">
+        <a:solidFill>
+          <a:schemeClr val="tx1">
+            <a:lumMod val="35000"/>
+            <a:lumOff val="65000"/>
+          </a:schemeClr>
+        </a:solidFill>
+        <a:round/>
+      </a:ln>
+    </cs:spPr>
+  </cs:seriesLine>
+  <cs:title>
+    <cs:lnRef idx="0"/>
+    <cs:fillRef idx="0"/>
+    <cs:effectRef idx="0"/>
+    <cs:fontRef idx="minor">
+      <a:schemeClr val="tx1">
+        <a:lumMod val="65000"/>
+        <a:lumOff val="35000"/>
+      </a:schemeClr>
+    </cs:fontRef>
+    <cs:defRPr sz="1400" b="0" kern="1200" spc="0" baseline="0"/>
+  </cs:title>
+  <cs:trendline>
+    <cs:lnRef idx="0">
+      <cs:styleClr val="auto"/>
+    </cs:lnRef>
+    <cs:fillRef idx="0"/>
+    <cs:effectRef idx="0"/>
+    <cs:fontRef idx="minor">
+      <a:schemeClr val="tx1"/>
+    </cs:fontRef>
+    <cs:spPr>
+      <a:ln w="19050" cap="rnd">
+        <a:solidFill>
+          <a:schemeClr val="phClr"/>
+        </a:solidFill>
+        <a:prstDash val="sysDot"/>
+      </a:ln>
+    </cs:spPr>
+  </cs:trendline>
+  <cs:trendlineLabel>
+    <cs:lnRef idx="0"/>
+    <cs:fillRef idx="0"/>
+    <cs:effectRef idx="0"/>
+    <cs:fontRef idx="minor">
+      <a:schemeClr val="tx1">
+        <a:lumMod val="65000"/>
+        <a:lumOff val="35000"/>
+      </a:schemeClr>
+    </cs:fontRef>
+    <cs:defRPr sz="900" kern="1200"/>
+  </cs:trendlineLabel>
+  <cs:upBar>
+    <cs:lnRef idx="0"/>
+    <cs:fillRef idx="0"/>
+    <cs:effectRef idx="0"/>
+    <cs:fontRef idx="minor">
+      <a:schemeClr val="tx1"/>
+    </cs:fontRef>
+    <cs:spPr>
+      <a:solidFill>
+        <a:schemeClr val="lt1"/>
+      </a:solidFill>
+      <a:ln w="9525" cap="flat" cmpd="sng" algn="ctr">
+        <a:solidFill>
+          <a:schemeClr val="tx1">
+            <a:lumMod val="65000"/>
+            <a:lumOff val="35000"/>
+          </a:schemeClr>
+        </a:solidFill>
+        <a:round/>
+      </a:ln>
+    </cs:spPr>
+  </cs:upBar>
+  <cs:valueAxis>
+    <cs:lnRef idx="0"/>
+    <cs:fillRef idx="0"/>
+    <cs:effectRef idx="0"/>
+    <cs:fontRef idx="minor">
+      <a:schemeClr val="tx1">
+        <a:lumMod val="65000"/>
+        <a:lumOff val="35000"/>
+      </a:schemeClr>
+    </cs:fontRef>
+    <cs:spPr>
+      <a:ln w="9525" cap="flat" cmpd="sng" algn="ctr">
+        <a:solidFill>
+          <a:schemeClr val="tx1">
+            <a:lumMod val="25000"/>
+            <a:lumOff val="75000"/>
+          </a:schemeClr>
+        </a:solidFill>
+        <a:round/>
+      </a:ln>
+    </cs:spPr>
+    <cs:defRPr sz="900" kern="1200"/>
+  </cs:valueAxis>
+  <cs:wall>
+    <cs:lnRef idx="0"/>
+    <cs:fillRef idx="0"/>
+    <cs:effectRef idx="0"/>
+    <cs:fontRef idx="minor">
+      <a:schemeClr val="tx1"/>
+    </cs:fontRef>
+    <cs:spPr>
+      <a:noFill/>
+      <a:ln>
+        <a:noFill/>
+      </a:ln>
+    </cs:spPr>
+  </cs:wall>
+</cs:chartStyle>
+</file>
+
+<file path=ppt/charts/style12.xml><?xml version="1.0" encoding="utf-8"?>
 <cs:chartStyle xmlns:cs="http://schemas.microsoft.com/office/drawing/2012/chartStyle" xmlns:a="http://schemas.openxmlformats.org/drawingml/2006/main" id="240">
   <cs:axisTitle>
     <cs:lnRef idx="0"/>
@@ -21636,6 +25779,168 @@
         <p:cNvPr id="1" name="">
           <a:extLst>
             <a:ext uri="{FF2B5EF4-FFF2-40B4-BE49-F238E27FC236}">
+              <a16:creationId xmlns:a16="http://schemas.microsoft.com/office/drawing/2014/main" id="{7F917C55-7FDB-8F6D-4991-6B14AB86C936}"/>
+            </a:ext>
+          </a:extLst>
+        </p:cNvPr>
+        <p:cNvGrpSpPr/>
+        <p:nvPr/>
+      </p:nvGrpSpPr>
+      <p:grpSpPr>
+        <a:xfrm>
+          <a:off x="0" y="0"/>
+          <a:ext cx="0" cy="0"/>
+          <a:chOff x="0" y="0"/>
+          <a:chExt cx="0" cy="0"/>
+        </a:xfrm>
+      </p:grpSpPr>
+      <p:graphicFrame>
+        <p:nvGraphicFramePr>
+          <p:cNvPr id="2" name="차트 1">
+            <a:extLst>
+              <a:ext uri="{FF2B5EF4-FFF2-40B4-BE49-F238E27FC236}">
+                <a16:creationId xmlns:a16="http://schemas.microsoft.com/office/drawing/2014/main" id="{107B4824-2E25-28EA-F303-65785D6927B0}"/>
+              </a:ext>
+            </a:extLst>
+          </p:cNvPr>
+          <p:cNvGraphicFramePr>
+            <a:graphicFrameLocks/>
+          </p:cNvGraphicFramePr>
+          <p:nvPr>
+            <p:extLst>
+              <p:ext uri="{D42A27DB-BD31-4B8C-83A1-F6EECF244321}">
+                <p14:modId xmlns:p14="http://schemas.microsoft.com/office/powerpoint/2010/main" val="1648820114"/>
+              </p:ext>
+            </p:extLst>
+          </p:nvPr>
+        </p:nvGraphicFramePr>
+        <p:xfrm>
+          <a:off x="731888" y="1330585"/>
+          <a:ext cx="4572000" cy="2743200"/>
+        </p:xfrm>
+        <a:graphic>
+          <a:graphicData uri="http://schemas.openxmlformats.org/drawingml/2006/chart">
+            <c:chart xmlns:c="http://schemas.openxmlformats.org/drawingml/2006/chart" xmlns:r="http://schemas.openxmlformats.org/officeDocument/2006/relationships" r:id="rId2"/>
+          </a:graphicData>
+        </a:graphic>
+      </p:graphicFrame>
+      <p:graphicFrame>
+        <p:nvGraphicFramePr>
+          <p:cNvPr id="3" name="차트 2">
+            <a:extLst>
+              <a:ext uri="{FF2B5EF4-FFF2-40B4-BE49-F238E27FC236}">
+                <a16:creationId xmlns:a16="http://schemas.microsoft.com/office/drawing/2014/main" id="{6EAD3E0D-D16C-72DA-AF27-9D9A01371BFF}"/>
+              </a:ext>
+            </a:extLst>
+          </p:cNvPr>
+          <p:cNvGraphicFramePr>
+            <a:graphicFrameLocks/>
+          </p:cNvGraphicFramePr>
+          <p:nvPr>
+            <p:extLst>
+              <p:ext uri="{D42A27DB-BD31-4B8C-83A1-F6EECF244321}">
+                <p14:modId xmlns:p14="http://schemas.microsoft.com/office/powerpoint/2010/main" val="955724081"/>
+              </p:ext>
+            </p:extLst>
+          </p:nvPr>
+        </p:nvGraphicFramePr>
+        <p:xfrm>
+          <a:off x="731888" y="3817681"/>
+          <a:ext cx="4572000" cy="2743200"/>
+        </p:xfrm>
+        <a:graphic>
+          <a:graphicData uri="http://schemas.openxmlformats.org/drawingml/2006/chart">
+            <c:chart xmlns:c="http://schemas.openxmlformats.org/drawingml/2006/chart" xmlns:r="http://schemas.openxmlformats.org/officeDocument/2006/relationships" r:id="rId3"/>
+          </a:graphicData>
+        </a:graphic>
+      </p:graphicFrame>
+      <p:graphicFrame>
+        <p:nvGraphicFramePr>
+          <p:cNvPr id="6" name="차트 5">
+            <a:extLst>
+              <a:ext uri="{FF2B5EF4-FFF2-40B4-BE49-F238E27FC236}">
+                <a16:creationId xmlns:a16="http://schemas.microsoft.com/office/drawing/2014/main" id="{C09D0F70-1D87-4479-B732-9C90A876D96A}"/>
+              </a:ext>
+            </a:extLst>
+          </p:cNvPr>
+          <p:cNvGraphicFramePr>
+            <a:graphicFrameLocks/>
+          </p:cNvGraphicFramePr>
+          <p:nvPr>
+            <p:extLst>
+              <p:ext uri="{D42A27DB-BD31-4B8C-83A1-F6EECF244321}">
+                <p14:modId xmlns:p14="http://schemas.microsoft.com/office/powerpoint/2010/main" val="1701021878"/>
+              </p:ext>
+            </p:extLst>
+          </p:nvPr>
+        </p:nvGraphicFramePr>
+        <p:xfrm>
+          <a:off x="6888114" y="3244645"/>
+          <a:ext cx="4900763" cy="3316236"/>
+        </p:xfrm>
+        <a:graphic>
+          <a:graphicData uri="http://schemas.openxmlformats.org/drawingml/2006/chart">
+            <c:chart xmlns:c="http://schemas.openxmlformats.org/drawingml/2006/chart" xmlns:r="http://schemas.openxmlformats.org/officeDocument/2006/relationships" r:id="rId4"/>
+          </a:graphicData>
+        </a:graphic>
+      </p:graphicFrame>
+      <p:sp>
+        <p:nvSpPr>
+          <p:cNvPr id="7" name="TextBox 6">
+            <a:extLst>
+              <a:ext uri="{FF2B5EF4-FFF2-40B4-BE49-F238E27FC236}">
+                <a16:creationId xmlns:a16="http://schemas.microsoft.com/office/drawing/2014/main" id="{B41D1B27-A508-AC67-399C-1D3F6A88E685}"/>
+              </a:ext>
+            </a:extLst>
+          </p:cNvPr>
+          <p:cNvSpPr txBox="1"/>
+          <p:nvPr/>
+        </p:nvSpPr>
+        <p:spPr>
+          <a:xfrm>
+            <a:off x="731888" y="961253"/>
+            <a:ext cx="1150374" cy="369332"/>
+          </a:xfrm>
+          <a:prstGeom prst="rect">
+            <a:avLst/>
+          </a:prstGeom>
+          <a:noFill/>
+        </p:spPr>
+        <p:txBody>
+          <a:bodyPr wrap="square" rtlCol="0">
+            <a:spAutoFit/>
+          </a:bodyPr>
+          <a:lstStyle/>
+          <a:p>
+            <a:r>
+              <a:rPr lang="en-US" altLang="ko-KR" dirty="0"/>
+              <a:t>10 DEG</a:t>
+            </a:r>
+            <a:endParaRPr lang="ko-KR" altLang="en-US" dirty="0"/>
+          </a:p>
+        </p:txBody>
+      </p:sp>
+    </p:spTree>
+    <p:extLst>
+      <p:ext uri="{BB962C8B-B14F-4D97-AF65-F5344CB8AC3E}">
+        <p14:creationId xmlns:p14="http://schemas.microsoft.com/office/powerpoint/2010/main" val="2819791841"/>
+      </p:ext>
+    </p:extLst>
+  </p:cSld>
+  <p:clrMapOvr>
+    <a:masterClrMapping/>
+  </p:clrMapOvr>
+</p:sld>
+</file>
+
+<file path=ppt/slides/slide7.xml><?xml version="1.0" encoding="utf-8"?>
+<p:sld xmlns:a="http://schemas.openxmlformats.org/drawingml/2006/main" xmlns:r="http://schemas.openxmlformats.org/officeDocument/2006/relationships" xmlns:p="http://schemas.openxmlformats.org/presentationml/2006/main">
+  <p:cSld>
+    <p:spTree>
+      <p:nvGrpSpPr>
+        <p:cNvPr id="1" name="">
+          <a:extLst>
+            <a:ext uri="{FF2B5EF4-FFF2-40B4-BE49-F238E27FC236}">
               <a16:creationId xmlns:a16="http://schemas.microsoft.com/office/drawing/2014/main" id="{F9CC47FC-D11A-1741-E80E-4BC06809134C}"/>
             </a:ext>
           </a:extLst>
